--- a/report/ToMNET.pptx
+++ b/report/ToMNET.pptx
@@ -17291,7 +17291,7 @@
           <a:p>
             <a:fld id="{C34CE1C7-AB57-4E47-B0F5-E8BB4CB6614A}" type="datetimeFigureOut">
               <a:rPr kumimoji="1" lang="zh-TW" altLang="en-US" smtClean="0"/>
-              <a:t>2019/7/8</a:t>
+              <a:t>2019/7/31</a:t>
             </a:fld>
             <a:endParaRPr kumimoji="1" lang="zh-TW" altLang="en-US"/>
           </a:p>
@@ -19221,7 +19221,7 @@
           <a:p>
             <a:fld id="{73F99C50-D6BB-DD44-98D6-7975662BA23B}" type="datetimeFigureOut">
               <a:rPr kumimoji="1" lang="zh-TW" altLang="en-US" smtClean="0"/>
-              <a:t>2019/7/8</a:t>
+              <a:t>2019/7/31</a:t>
             </a:fld>
             <a:endParaRPr kumimoji="1" lang="zh-TW" altLang="en-US"/>
           </a:p>
@@ -19394,7 +19394,7 @@
           <a:p>
             <a:fld id="{73F99C50-D6BB-DD44-98D6-7975662BA23B}" type="datetimeFigureOut">
               <a:rPr kumimoji="1" lang="zh-TW" altLang="en-US" smtClean="0"/>
-              <a:t>2019/7/8</a:t>
+              <a:t>2019/7/31</a:t>
             </a:fld>
             <a:endParaRPr kumimoji="1" lang="zh-TW" altLang="en-US"/>
           </a:p>
@@ -19577,7 +19577,7 @@
           <a:p>
             <a:fld id="{73F99C50-D6BB-DD44-98D6-7975662BA23B}" type="datetimeFigureOut">
               <a:rPr kumimoji="1" lang="zh-TW" altLang="en-US" smtClean="0"/>
-              <a:t>2019/7/8</a:t>
+              <a:t>2019/7/31</a:t>
             </a:fld>
             <a:endParaRPr kumimoji="1" lang="zh-TW" altLang="en-US"/>
           </a:p>
@@ -19750,7 +19750,7 @@
           <a:p>
             <a:fld id="{73F99C50-D6BB-DD44-98D6-7975662BA23B}" type="datetimeFigureOut">
               <a:rPr kumimoji="1" lang="zh-TW" altLang="en-US" smtClean="0"/>
-              <a:t>2019/7/8</a:t>
+              <a:t>2019/7/31</a:t>
             </a:fld>
             <a:endParaRPr kumimoji="1" lang="zh-TW" altLang="en-US"/>
           </a:p>
@@ -20028,7 +20028,7 @@
           <a:p>
             <a:fld id="{73F99C50-D6BB-DD44-98D6-7975662BA23B}" type="datetimeFigureOut">
               <a:rPr kumimoji="1" lang="zh-TW" altLang="en-US" smtClean="0"/>
-              <a:t>2019/7/8</a:t>
+              <a:t>2019/7/31</a:t>
             </a:fld>
             <a:endParaRPr kumimoji="1" lang="zh-TW" altLang="en-US"/>
           </a:p>
@@ -20243,7 +20243,7 @@
           <a:p>
             <a:fld id="{73F99C50-D6BB-DD44-98D6-7975662BA23B}" type="datetimeFigureOut">
               <a:rPr kumimoji="1" lang="zh-TW" altLang="en-US" smtClean="0"/>
-              <a:t>2019/7/8</a:t>
+              <a:t>2019/7/31</a:t>
             </a:fld>
             <a:endParaRPr kumimoji="1" lang="zh-TW" altLang="en-US"/>
           </a:p>
@@ -20611,7 +20611,7 @@
           <a:p>
             <a:fld id="{73F99C50-D6BB-DD44-98D6-7975662BA23B}" type="datetimeFigureOut">
               <a:rPr kumimoji="1" lang="zh-TW" altLang="en-US" smtClean="0"/>
-              <a:t>2019/7/8</a:t>
+              <a:t>2019/7/31</a:t>
             </a:fld>
             <a:endParaRPr kumimoji="1" lang="zh-TW" altLang="en-US"/>
           </a:p>
@@ -20752,7 +20752,7 @@
           <a:p>
             <a:fld id="{73F99C50-D6BB-DD44-98D6-7975662BA23B}" type="datetimeFigureOut">
               <a:rPr kumimoji="1" lang="zh-TW" altLang="en-US" smtClean="0"/>
-              <a:t>2019/7/8</a:t>
+              <a:t>2019/7/31</a:t>
             </a:fld>
             <a:endParaRPr kumimoji="1" lang="zh-TW" altLang="en-US"/>
           </a:p>
@@ -20865,7 +20865,7 @@
           <a:p>
             <a:fld id="{73F99C50-D6BB-DD44-98D6-7975662BA23B}" type="datetimeFigureOut">
               <a:rPr kumimoji="1" lang="zh-TW" altLang="en-US" smtClean="0"/>
-              <a:t>2019/7/8</a:t>
+              <a:t>2019/7/31</a:t>
             </a:fld>
             <a:endParaRPr kumimoji="1" lang="zh-TW" altLang="en-US"/>
           </a:p>
@@ -21154,7 +21154,7 @@
           <a:p>
             <a:fld id="{73F99C50-D6BB-DD44-98D6-7975662BA23B}" type="datetimeFigureOut">
               <a:rPr kumimoji="1" lang="zh-TW" altLang="en-US" smtClean="0"/>
-              <a:t>2019/7/8</a:t>
+              <a:t>2019/7/31</a:t>
             </a:fld>
             <a:endParaRPr kumimoji="1" lang="zh-TW" altLang="en-US"/>
           </a:p>
@@ -21445,7 +21445,7 @@
           <a:p>
             <a:fld id="{73F99C50-D6BB-DD44-98D6-7975662BA23B}" type="datetimeFigureOut">
               <a:rPr kumimoji="1" lang="zh-TW" altLang="en-US" smtClean="0"/>
-              <a:t>2019/7/8</a:t>
+              <a:t>2019/7/31</a:t>
             </a:fld>
             <a:endParaRPr kumimoji="1" lang="zh-TW" altLang="en-US"/>
           </a:p>
@@ -21661,7 +21661,7 @@
           <a:p>
             <a:fld id="{73F99C50-D6BB-DD44-98D6-7975662BA23B}" type="datetimeFigureOut">
               <a:rPr kumimoji="1" lang="zh-TW" altLang="en-US" smtClean="0"/>
-              <a:t>2019/7/8</a:t>
+              <a:t>2019/7/31</a:t>
             </a:fld>
             <a:endParaRPr kumimoji="1" lang="zh-TW" altLang="en-US"/>
           </a:p>
@@ -28853,7 +28853,7 @@
           <p:nvPr>
             <p:extLst>
               <p:ext uri="{D42A27DB-BD31-4B8C-83A1-F6EECF244321}">
-                <p14:modId xmlns:p14="http://schemas.microsoft.com/office/powerpoint/2010/main" val="2586771886"/>
+                <p14:modId xmlns:p14="http://schemas.microsoft.com/office/powerpoint/2010/main" val="1999698774"/>
               </p:ext>
             </p:extLst>
           </p:nvPr>
@@ -29499,7 +29499,14 @@
                           <a:latin typeface="Times New Roman" panose="02020603050405020304" pitchFamily="18" charset="0"/>
                           <a:cs typeface="Times New Roman" panose="02020603050405020304" pitchFamily="18" charset="0"/>
                         </a:rPr>
-                        <a:t>D &gt; C &gt; A &gt; B</a:t>
+                        <a:t>D &gt; C </a:t>
+                      </a:r>
+                      <a:r>
+                        <a:rPr lang="en-US" altLang="zh-TW" sz="2800">
+                          <a:latin typeface="Times New Roman" panose="02020603050405020304" pitchFamily="18" charset="0"/>
+                          <a:cs typeface="Times New Roman" panose="02020603050405020304" pitchFamily="18" charset="0"/>
+                        </a:rPr>
+                        <a:t>&gt;  A &gt; B</a:t>
                       </a:r>
                       <a:endParaRPr lang="zh-TW" altLang="en-US" sz="2800" dirty="0">
                         <a:latin typeface="Times New Roman" panose="02020603050405020304" pitchFamily="18" charset="0"/>

--- a/report/ToMNET.pptx
+++ b/report/ToMNET.pptx
@@ -17291,7 +17291,7 @@
           <a:p>
             <a:fld id="{C34CE1C7-AB57-4E47-B0F5-E8BB4CB6614A}" type="datetimeFigureOut">
               <a:rPr kumimoji="1" lang="zh-TW" altLang="en-US" smtClean="0"/>
-              <a:t>2019/7/31</a:t>
+              <a:t>2019/8/6</a:t>
             </a:fld>
             <a:endParaRPr kumimoji="1" lang="zh-TW" altLang="en-US"/>
           </a:p>
@@ -19221,7 +19221,7 @@
           <a:p>
             <a:fld id="{73F99C50-D6BB-DD44-98D6-7975662BA23B}" type="datetimeFigureOut">
               <a:rPr kumimoji="1" lang="zh-TW" altLang="en-US" smtClean="0"/>
-              <a:t>2019/7/31</a:t>
+              <a:t>2019/8/6</a:t>
             </a:fld>
             <a:endParaRPr kumimoji="1" lang="zh-TW" altLang="en-US"/>
           </a:p>
@@ -19394,7 +19394,7 @@
           <a:p>
             <a:fld id="{73F99C50-D6BB-DD44-98D6-7975662BA23B}" type="datetimeFigureOut">
               <a:rPr kumimoji="1" lang="zh-TW" altLang="en-US" smtClean="0"/>
-              <a:t>2019/7/31</a:t>
+              <a:t>2019/8/6</a:t>
             </a:fld>
             <a:endParaRPr kumimoji="1" lang="zh-TW" altLang="en-US"/>
           </a:p>
@@ -19577,7 +19577,7 @@
           <a:p>
             <a:fld id="{73F99C50-D6BB-DD44-98D6-7975662BA23B}" type="datetimeFigureOut">
               <a:rPr kumimoji="1" lang="zh-TW" altLang="en-US" smtClean="0"/>
-              <a:t>2019/7/31</a:t>
+              <a:t>2019/8/6</a:t>
             </a:fld>
             <a:endParaRPr kumimoji="1" lang="zh-TW" altLang="en-US"/>
           </a:p>
@@ -19750,7 +19750,7 @@
           <a:p>
             <a:fld id="{73F99C50-D6BB-DD44-98D6-7975662BA23B}" type="datetimeFigureOut">
               <a:rPr kumimoji="1" lang="zh-TW" altLang="en-US" smtClean="0"/>
-              <a:t>2019/7/31</a:t>
+              <a:t>2019/8/6</a:t>
             </a:fld>
             <a:endParaRPr kumimoji="1" lang="zh-TW" altLang="en-US"/>
           </a:p>
@@ -20028,7 +20028,7 @@
           <a:p>
             <a:fld id="{73F99C50-D6BB-DD44-98D6-7975662BA23B}" type="datetimeFigureOut">
               <a:rPr kumimoji="1" lang="zh-TW" altLang="en-US" smtClean="0"/>
-              <a:t>2019/7/31</a:t>
+              <a:t>2019/8/6</a:t>
             </a:fld>
             <a:endParaRPr kumimoji="1" lang="zh-TW" altLang="en-US"/>
           </a:p>
@@ -20243,7 +20243,7 @@
           <a:p>
             <a:fld id="{73F99C50-D6BB-DD44-98D6-7975662BA23B}" type="datetimeFigureOut">
               <a:rPr kumimoji="1" lang="zh-TW" altLang="en-US" smtClean="0"/>
-              <a:t>2019/7/31</a:t>
+              <a:t>2019/8/6</a:t>
             </a:fld>
             <a:endParaRPr kumimoji="1" lang="zh-TW" altLang="en-US"/>
           </a:p>
@@ -20611,7 +20611,7 @@
           <a:p>
             <a:fld id="{73F99C50-D6BB-DD44-98D6-7975662BA23B}" type="datetimeFigureOut">
               <a:rPr kumimoji="1" lang="zh-TW" altLang="en-US" smtClean="0"/>
-              <a:t>2019/7/31</a:t>
+              <a:t>2019/8/6</a:t>
             </a:fld>
             <a:endParaRPr kumimoji="1" lang="zh-TW" altLang="en-US"/>
           </a:p>
@@ -20752,7 +20752,7 @@
           <a:p>
             <a:fld id="{73F99C50-D6BB-DD44-98D6-7975662BA23B}" type="datetimeFigureOut">
               <a:rPr kumimoji="1" lang="zh-TW" altLang="en-US" smtClean="0"/>
-              <a:t>2019/7/31</a:t>
+              <a:t>2019/8/6</a:t>
             </a:fld>
             <a:endParaRPr kumimoji="1" lang="zh-TW" altLang="en-US"/>
           </a:p>
@@ -20865,7 +20865,7 @@
           <a:p>
             <a:fld id="{73F99C50-D6BB-DD44-98D6-7975662BA23B}" type="datetimeFigureOut">
               <a:rPr kumimoji="1" lang="zh-TW" altLang="en-US" smtClean="0"/>
-              <a:t>2019/7/31</a:t>
+              <a:t>2019/8/6</a:t>
             </a:fld>
             <a:endParaRPr kumimoji="1" lang="zh-TW" altLang="en-US"/>
           </a:p>
@@ -21154,7 +21154,7 @@
           <a:p>
             <a:fld id="{73F99C50-D6BB-DD44-98D6-7975662BA23B}" type="datetimeFigureOut">
               <a:rPr kumimoji="1" lang="zh-TW" altLang="en-US" smtClean="0"/>
-              <a:t>2019/7/31</a:t>
+              <a:t>2019/8/6</a:t>
             </a:fld>
             <a:endParaRPr kumimoji="1" lang="zh-TW" altLang="en-US"/>
           </a:p>
@@ -21445,7 +21445,7 @@
           <a:p>
             <a:fld id="{73F99C50-D6BB-DD44-98D6-7975662BA23B}" type="datetimeFigureOut">
               <a:rPr kumimoji="1" lang="zh-TW" altLang="en-US" smtClean="0"/>
-              <a:t>2019/7/31</a:t>
+              <a:t>2019/8/6</a:t>
             </a:fld>
             <a:endParaRPr kumimoji="1" lang="zh-TW" altLang="en-US"/>
           </a:p>
@@ -21661,7 +21661,7 @@
           <a:p>
             <a:fld id="{73F99C50-D6BB-DD44-98D6-7975662BA23B}" type="datetimeFigureOut">
               <a:rPr kumimoji="1" lang="zh-TW" altLang="en-US" smtClean="0"/>
-              <a:t>2019/7/31</a:t>
+              <a:t>2019/8/6</a:t>
             </a:fld>
             <a:endParaRPr kumimoji="1" lang="zh-TW" altLang="en-US"/>
           </a:p>
@@ -28853,7 +28853,7 @@
           <p:nvPr>
             <p:extLst>
               <p:ext uri="{D42A27DB-BD31-4B8C-83A1-F6EECF244321}">
-                <p14:modId xmlns:p14="http://schemas.microsoft.com/office/powerpoint/2010/main" val="1999698774"/>
+                <p14:modId xmlns:p14="http://schemas.microsoft.com/office/powerpoint/2010/main" val="1503014128"/>
               </p:ext>
             </p:extLst>
           </p:nvPr>
@@ -29447,7 +29447,7 @@
                           <a:latin typeface="Times New Roman" panose="02020603050405020304" pitchFamily="18" charset="0"/>
                           <a:cs typeface="Times New Roman" panose="02020603050405020304" pitchFamily="18" charset="0"/>
                         </a:rPr>
-                        <a:t>To be added</a:t>
+                        <a:t>D &gt; C &gt; A &gt; B</a:t>
                       </a:r>
                       <a:endParaRPr lang="zh-TW" altLang="en-US" sz="2800" dirty="0">
                         <a:latin typeface="Times New Roman" panose="02020603050405020304" pitchFamily="18" charset="0"/>
@@ -29754,20 +29754,13 @@
                         <a:defRPr/>
                       </a:pPr>
                       <a:r>
-                        <a:rPr lang="en-US" altLang="zh-TW" sz="2800" dirty="0">
-                          <a:latin typeface="Times New Roman" panose="02020603050405020304" pitchFamily="18" charset="0"/>
-                          <a:cs typeface="Times New Roman" panose="02020603050405020304" pitchFamily="18" charset="0"/>
-                        </a:rPr>
-                        <a:t>To </a:t>
-                      </a:r>
-                      <a:r>
                         <a:rPr lang="en-US" altLang="zh-TW" sz="2800">
                           <a:latin typeface="Times New Roman" panose="02020603050405020304" pitchFamily="18" charset="0"/>
                           <a:cs typeface="Times New Roman" panose="02020603050405020304" pitchFamily="18" charset="0"/>
                         </a:rPr>
-                        <a:t>be added</a:t>
+                        <a:t>A &gt; B ~ C ~ D</a:t>
                       </a:r>
-                      <a:endParaRPr lang="zh-TW" altLang="en-US" sz="2800">
+                      <a:endParaRPr lang="zh-TW" altLang="en-US" sz="2800" dirty="0">
                         <a:latin typeface="Times New Roman" panose="02020603050405020304" pitchFamily="18" charset="0"/>
                         <a:cs typeface="Times New Roman" panose="02020603050405020304" pitchFamily="18" charset="0"/>
                       </a:endParaRPr>

--- a/report/ToMNET.pptx
+++ b/report/ToMNET.pptx
@@ -5,7 +5,7 @@
     <p:sldMasterId id="2147483648" r:id="rId1"/>
   </p:sldMasterIdLst>
   <p:notesMasterIdLst>
-    <p:notesMasterId r:id="rId24"/>
+    <p:notesMasterId r:id="rId25"/>
   </p:notesMasterIdLst>
   <p:sldIdLst>
     <p:sldId id="256" r:id="rId2"/>
@@ -27,9 +27,10 @@
     <p:sldId id="278" r:id="rId18"/>
     <p:sldId id="262" r:id="rId19"/>
     <p:sldId id="261" r:id="rId20"/>
-    <p:sldId id="279" r:id="rId21"/>
-    <p:sldId id="266" r:id="rId22"/>
-    <p:sldId id="280" r:id="rId23"/>
+    <p:sldId id="281" r:id="rId21"/>
+    <p:sldId id="279" r:id="rId22"/>
+    <p:sldId id="266" r:id="rId23"/>
+    <p:sldId id="280" r:id="rId24"/>
   </p:sldIdLst>
   <p:sldSz cx="12192000" cy="6858000"/>
   <p:notesSz cx="6858000" cy="9144000"/>
@@ -17291,7 +17292,7 @@
           <a:p>
             <a:fld id="{C34CE1C7-AB57-4E47-B0F5-E8BB4CB6614A}" type="datetimeFigureOut">
               <a:rPr kumimoji="1" lang="zh-TW" altLang="en-US" smtClean="0"/>
-              <a:t>2019/8/6</a:t>
+              <a:t>2019/9/24</a:t>
             </a:fld>
             <a:endParaRPr kumimoji="1" lang="zh-TW" altLang="en-US"/>
           </a:p>
@@ -19221,7 +19222,7 @@
           <a:p>
             <a:fld id="{73F99C50-D6BB-DD44-98D6-7975662BA23B}" type="datetimeFigureOut">
               <a:rPr kumimoji="1" lang="zh-TW" altLang="en-US" smtClean="0"/>
-              <a:t>2019/8/6</a:t>
+              <a:t>2019/9/24</a:t>
             </a:fld>
             <a:endParaRPr kumimoji="1" lang="zh-TW" altLang="en-US"/>
           </a:p>
@@ -19394,7 +19395,7 @@
           <a:p>
             <a:fld id="{73F99C50-D6BB-DD44-98D6-7975662BA23B}" type="datetimeFigureOut">
               <a:rPr kumimoji="1" lang="zh-TW" altLang="en-US" smtClean="0"/>
-              <a:t>2019/8/6</a:t>
+              <a:t>2019/9/24</a:t>
             </a:fld>
             <a:endParaRPr kumimoji="1" lang="zh-TW" altLang="en-US"/>
           </a:p>
@@ -19577,7 +19578,7 @@
           <a:p>
             <a:fld id="{73F99C50-D6BB-DD44-98D6-7975662BA23B}" type="datetimeFigureOut">
               <a:rPr kumimoji="1" lang="zh-TW" altLang="en-US" smtClean="0"/>
-              <a:t>2019/8/6</a:t>
+              <a:t>2019/9/24</a:t>
             </a:fld>
             <a:endParaRPr kumimoji="1" lang="zh-TW" altLang="en-US"/>
           </a:p>
@@ -19750,7 +19751,7 @@
           <a:p>
             <a:fld id="{73F99C50-D6BB-DD44-98D6-7975662BA23B}" type="datetimeFigureOut">
               <a:rPr kumimoji="1" lang="zh-TW" altLang="en-US" smtClean="0"/>
-              <a:t>2019/8/6</a:t>
+              <a:t>2019/9/24</a:t>
             </a:fld>
             <a:endParaRPr kumimoji="1" lang="zh-TW" altLang="en-US"/>
           </a:p>
@@ -20028,7 +20029,7 @@
           <a:p>
             <a:fld id="{73F99C50-D6BB-DD44-98D6-7975662BA23B}" type="datetimeFigureOut">
               <a:rPr kumimoji="1" lang="zh-TW" altLang="en-US" smtClean="0"/>
-              <a:t>2019/8/6</a:t>
+              <a:t>2019/9/24</a:t>
             </a:fld>
             <a:endParaRPr kumimoji="1" lang="zh-TW" altLang="en-US"/>
           </a:p>
@@ -20243,7 +20244,7 @@
           <a:p>
             <a:fld id="{73F99C50-D6BB-DD44-98D6-7975662BA23B}" type="datetimeFigureOut">
               <a:rPr kumimoji="1" lang="zh-TW" altLang="en-US" smtClean="0"/>
-              <a:t>2019/8/6</a:t>
+              <a:t>2019/9/24</a:t>
             </a:fld>
             <a:endParaRPr kumimoji="1" lang="zh-TW" altLang="en-US"/>
           </a:p>
@@ -20611,7 +20612,7 @@
           <a:p>
             <a:fld id="{73F99C50-D6BB-DD44-98D6-7975662BA23B}" type="datetimeFigureOut">
               <a:rPr kumimoji="1" lang="zh-TW" altLang="en-US" smtClean="0"/>
-              <a:t>2019/8/6</a:t>
+              <a:t>2019/9/24</a:t>
             </a:fld>
             <a:endParaRPr kumimoji="1" lang="zh-TW" altLang="en-US"/>
           </a:p>
@@ -20752,7 +20753,7 @@
           <a:p>
             <a:fld id="{73F99C50-D6BB-DD44-98D6-7975662BA23B}" type="datetimeFigureOut">
               <a:rPr kumimoji="1" lang="zh-TW" altLang="en-US" smtClean="0"/>
-              <a:t>2019/8/6</a:t>
+              <a:t>2019/9/24</a:t>
             </a:fld>
             <a:endParaRPr kumimoji="1" lang="zh-TW" altLang="en-US"/>
           </a:p>
@@ -20865,7 +20866,7 @@
           <a:p>
             <a:fld id="{73F99C50-D6BB-DD44-98D6-7975662BA23B}" type="datetimeFigureOut">
               <a:rPr kumimoji="1" lang="zh-TW" altLang="en-US" smtClean="0"/>
-              <a:t>2019/8/6</a:t>
+              <a:t>2019/9/24</a:t>
             </a:fld>
             <a:endParaRPr kumimoji="1" lang="zh-TW" altLang="en-US"/>
           </a:p>
@@ -21154,7 +21155,7 @@
           <a:p>
             <a:fld id="{73F99C50-D6BB-DD44-98D6-7975662BA23B}" type="datetimeFigureOut">
               <a:rPr kumimoji="1" lang="zh-TW" altLang="en-US" smtClean="0"/>
-              <a:t>2019/8/6</a:t>
+              <a:t>2019/9/24</a:t>
             </a:fld>
             <a:endParaRPr kumimoji="1" lang="zh-TW" altLang="en-US"/>
           </a:p>
@@ -21445,7 +21446,7 @@
           <a:p>
             <a:fld id="{73F99C50-D6BB-DD44-98D6-7975662BA23B}" type="datetimeFigureOut">
               <a:rPr kumimoji="1" lang="zh-TW" altLang="en-US" smtClean="0"/>
-              <a:t>2019/8/6</a:t>
+              <a:t>2019/9/24</a:t>
             </a:fld>
             <a:endParaRPr kumimoji="1" lang="zh-TW" altLang="en-US"/>
           </a:p>
@@ -21661,7 +21662,7 @@
           <a:p>
             <a:fld id="{73F99C50-D6BB-DD44-98D6-7975662BA23B}" type="datetimeFigureOut">
               <a:rPr kumimoji="1" lang="zh-TW" altLang="en-US" smtClean="0"/>
-              <a:t>2019/8/6</a:t>
+              <a:t>2019/9/24</a:t>
             </a:fld>
             <a:endParaRPr kumimoji="1" lang="zh-TW" altLang="en-US"/>
           </a:p>
@@ -31449,6 +31450,1478 @@
 </file>
 
 <file path=ppt/slides/slide20.xml><?xml version="1.0" encoding="utf-8"?>
+<p:sld xmlns:a="http://schemas.openxmlformats.org/drawingml/2006/main" xmlns:r="http://schemas.openxmlformats.org/officeDocument/2006/relationships" xmlns:p="http://schemas.openxmlformats.org/presentationml/2006/main" show="0">
+  <p:cSld>
+    <p:spTree>
+      <p:nvGrpSpPr>
+        <p:cNvPr id="1" name=""/>
+        <p:cNvGrpSpPr/>
+        <p:nvPr/>
+      </p:nvGrpSpPr>
+      <p:grpSpPr>
+        <a:xfrm>
+          <a:off x="0" y="0"/>
+          <a:ext cx="0" cy="0"/>
+          <a:chOff x="0" y="0"/>
+          <a:chExt cx="0" cy="0"/>
+        </a:xfrm>
+      </p:grpSpPr>
+      <p:grpSp>
+        <p:nvGrpSpPr>
+          <p:cNvPr id="26" name="群組 25">
+            <a:extLst>
+              <a:ext uri="{FF2B5EF4-FFF2-40B4-BE49-F238E27FC236}">
+                <a16:creationId xmlns:a16="http://schemas.microsoft.com/office/drawing/2014/main" id="{C64DE2F5-D726-7645-A7DB-155EF894C85B}"/>
+              </a:ext>
+            </a:extLst>
+          </p:cNvPr>
+          <p:cNvGrpSpPr/>
+          <p:nvPr/>
+        </p:nvGrpSpPr>
+        <p:grpSpPr>
+          <a:xfrm>
+            <a:off x="656476" y="1451138"/>
+            <a:ext cx="1820510" cy="1848829"/>
+            <a:chOff x="5864906" y="2298795"/>
+            <a:chExt cx="2442461" cy="2511019"/>
+          </a:xfrm>
+        </p:grpSpPr>
+        <p:sp>
+          <p:nvSpPr>
+            <p:cNvPr id="27" name="Rectangle 3">
+              <a:extLst>
+                <a:ext uri="{FF2B5EF4-FFF2-40B4-BE49-F238E27FC236}">
+                  <a16:creationId xmlns:a16="http://schemas.microsoft.com/office/drawing/2014/main" id="{2D83A29D-4C3D-FF4F-963E-83D69C3D07EC}"/>
+                </a:ext>
+              </a:extLst>
+            </p:cNvPr>
+            <p:cNvSpPr/>
+            <p:nvPr/>
+          </p:nvSpPr>
+          <p:spPr>
+            <a:xfrm>
+              <a:off x="5864906" y="2298795"/>
+              <a:ext cx="1379105" cy="1393223"/>
+            </a:xfrm>
+            <a:prstGeom prst="rect">
+              <a:avLst/>
+            </a:prstGeom>
+            <a:solidFill>
+              <a:schemeClr val="accent6"/>
+            </a:solidFill>
+            <a:ln>
+              <a:noFill/>
+            </a:ln>
+          </p:spPr>
+          <p:style>
+            <a:lnRef idx="2">
+              <a:schemeClr val="accent1">
+                <a:shade val="50000"/>
+              </a:schemeClr>
+            </a:lnRef>
+            <a:fillRef idx="1">
+              <a:schemeClr val="accent1"/>
+            </a:fillRef>
+            <a:effectRef idx="0">
+              <a:schemeClr val="accent1"/>
+            </a:effectRef>
+            <a:fontRef idx="minor">
+              <a:schemeClr val="lt1"/>
+            </a:fontRef>
+          </p:style>
+          <p:txBody>
+            <a:bodyPr rtlCol="0" anchor="ctr"/>
+            <a:lstStyle/>
+            <a:p>
+              <a:pPr algn="ctr"/>
+              <a:endParaRPr lang="en-US"/>
+            </a:p>
+          </p:txBody>
+        </p:sp>
+        <p:sp>
+          <p:nvSpPr>
+            <p:cNvPr id="28" name="Rectangle 5">
+              <a:extLst>
+                <a:ext uri="{FF2B5EF4-FFF2-40B4-BE49-F238E27FC236}">
+                  <a16:creationId xmlns:a16="http://schemas.microsoft.com/office/drawing/2014/main" id="{63C5AAF7-4C42-804D-8778-726EAF4DA4BB}"/>
+                </a:ext>
+              </a:extLst>
+            </p:cNvPr>
+            <p:cNvSpPr/>
+            <p:nvPr/>
+          </p:nvSpPr>
+          <p:spPr>
+            <a:xfrm>
+              <a:off x="5966399" y="2401327"/>
+              <a:ext cx="1379105" cy="1393223"/>
+            </a:xfrm>
+            <a:prstGeom prst="rect">
+              <a:avLst/>
+            </a:prstGeom>
+            <a:solidFill>
+              <a:schemeClr val="accent6"/>
+            </a:solidFill>
+            <a:ln>
+              <a:noFill/>
+            </a:ln>
+          </p:spPr>
+          <p:style>
+            <a:lnRef idx="2">
+              <a:schemeClr val="accent1">
+                <a:shade val="50000"/>
+              </a:schemeClr>
+            </a:lnRef>
+            <a:fillRef idx="1">
+              <a:schemeClr val="accent1"/>
+            </a:fillRef>
+            <a:effectRef idx="0">
+              <a:schemeClr val="accent1"/>
+            </a:effectRef>
+            <a:fontRef idx="minor">
+              <a:schemeClr val="lt1"/>
+            </a:fontRef>
+          </p:style>
+          <p:txBody>
+            <a:bodyPr rtlCol="0" anchor="ctr"/>
+            <a:lstStyle/>
+            <a:p>
+              <a:pPr algn="ctr"/>
+              <a:endParaRPr lang="en-US"/>
+            </a:p>
+          </p:txBody>
+        </p:sp>
+        <p:sp>
+          <p:nvSpPr>
+            <p:cNvPr id="29" name="Rectangle 6">
+              <a:extLst>
+                <a:ext uri="{FF2B5EF4-FFF2-40B4-BE49-F238E27FC236}">
+                  <a16:creationId xmlns:a16="http://schemas.microsoft.com/office/drawing/2014/main" id="{5464480B-8875-424E-A984-93B1F6C92707}"/>
+                </a:ext>
+              </a:extLst>
+            </p:cNvPr>
+            <p:cNvSpPr/>
+            <p:nvPr/>
+          </p:nvSpPr>
+          <p:spPr>
+            <a:xfrm>
+              <a:off x="6067891" y="2503858"/>
+              <a:ext cx="1379105" cy="1393223"/>
+            </a:xfrm>
+            <a:prstGeom prst="rect">
+              <a:avLst/>
+            </a:prstGeom>
+            <a:solidFill>
+              <a:schemeClr val="accent6"/>
+            </a:solidFill>
+            <a:ln>
+              <a:noFill/>
+            </a:ln>
+          </p:spPr>
+          <p:style>
+            <a:lnRef idx="2">
+              <a:schemeClr val="accent1">
+                <a:shade val="50000"/>
+              </a:schemeClr>
+            </a:lnRef>
+            <a:fillRef idx="1">
+              <a:schemeClr val="accent1"/>
+            </a:fillRef>
+            <a:effectRef idx="0">
+              <a:schemeClr val="accent1"/>
+            </a:effectRef>
+            <a:fontRef idx="minor">
+              <a:schemeClr val="lt1"/>
+            </a:fontRef>
+          </p:style>
+          <p:txBody>
+            <a:bodyPr rtlCol="0" anchor="ctr"/>
+            <a:lstStyle/>
+            <a:p>
+              <a:pPr algn="ctr"/>
+              <a:endParaRPr lang="en-US"/>
+            </a:p>
+          </p:txBody>
+        </p:sp>
+        <p:sp>
+          <p:nvSpPr>
+            <p:cNvPr id="30" name="Rectangle 7">
+              <a:extLst>
+                <a:ext uri="{FF2B5EF4-FFF2-40B4-BE49-F238E27FC236}">
+                  <a16:creationId xmlns:a16="http://schemas.microsoft.com/office/drawing/2014/main" id="{574F20AF-8876-414E-83B5-7A72870A1417}"/>
+                </a:ext>
+              </a:extLst>
+            </p:cNvPr>
+            <p:cNvSpPr/>
+            <p:nvPr/>
+          </p:nvSpPr>
+          <p:spPr>
+            <a:xfrm>
+              <a:off x="6169384" y="2606390"/>
+              <a:ext cx="1379105" cy="1393223"/>
+            </a:xfrm>
+            <a:prstGeom prst="rect">
+              <a:avLst/>
+            </a:prstGeom>
+            <a:solidFill>
+              <a:schemeClr val="accent6"/>
+            </a:solidFill>
+            <a:ln>
+              <a:noFill/>
+            </a:ln>
+          </p:spPr>
+          <p:style>
+            <a:lnRef idx="2">
+              <a:schemeClr val="accent1">
+                <a:shade val="50000"/>
+              </a:schemeClr>
+            </a:lnRef>
+            <a:fillRef idx="1">
+              <a:schemeClr val="accent1"/>
+            </a:fillRef>
+            <a:effectRef idx="0">
+              <a:schemeClr val="accent1"/>
+            </a:effectRef>
+            <a:fontRef idx="minor">
+              <a:schemeClr val="lt1"/>
+            </a:fontRef>
+          </p:style>
+          <p:txBody>
+            <a:bodyPr rtlCol="0" anchor="ctr"/>
+            <a:lstStyle/>
+            <a:p>
+              <a:pPr algn="ctr"/>
+              <a:endParaRPr lang="en-US"/>
+            </a:p>
+          </p:txBody>
+        </p:sp>
+        <p:sp>
+          <p:nvSpPr>
+            <p:cNvPr id="31" name="Rectangle 8">
+              <a:extLst>
+                <a:ext uri="{FF2B5EF4-FFF2-40B4-BE49-F238E27FC236}">
+                  <a16:creationId xmlns:a16="http://schemas.microsoft.com/office/drawing/2014/main" id="{82AED19A-96F6-3A4A-9151-284082AD32E2}"/>
+                </a:ext>
+              </a:extLst>
+            </p:cNvPr>
+            <p:cNvSpPr/>
+            <p:nvPr/>
+          </p:nvSpPr>
+          <p:spPr>
+            <a:xfrm>
+              <a:off x="6270876" y="2708921"/>
+              <a:ext cx="1379105" cy="1393223"/>
+            </a:xfrm>
+            <a:prstGeom prst="rect">
+              <a:avLst/>
+            </a:prstGeom>
+            <a:solidFill>
+              <a:schemeClr val="accent2"/>
+            </a:solidFill>
+            <a:ln>
+              <a:noFill/>
+            </a:ln>
+          </p:spPr>
+          <p:style>
+            <a:lnRef idx="2">
+              <a:schemeClr val="accent1">
+                <a:shade val="50000"/>
+              </a:schemeClr>
+            </a:lnRef>
+            <a:fillRef idx="1">
+              <a:schemeClr val="accent1"/>
+            </a:fillRef>
+            <a:effectRef idx="0">
+              <a:schemeClr val="accent1"/>
+            </a:effectRef>
+            <a:fontRef idx="minor">
+              <a:schemeClr val="lt1"/>
+            </a:fontRef>
+          </p:style>
+          <p:txBody>
+            <a:bodyPr rtlCol="0" anchor="ctr"/>
+            <a:lstStyle/>
+            <a:p>
+              <a:pPr algn="ctr"/>
+              <a:endParaRPr lang="en-US"/>
+            </a:p>
+          </p:txBody>
+        </p:sp>
+        <p:sp>
+          <p:nvSpPr>
+            <p:cNvPr id="32" name="Rectangle 9">
+              <a:extLst>
+                <a:ext uri="{FF2B5EF4-FFF2-40B4-BE49-F238E27FC236}">
+                  <a16:creationId xmlns:a16="http://schemas.microsoft.com/office/drawing/2014/main" id="{4EA52676-75DB-B44A-9AF5-B130586C30C9}"/>
+                </a:ext>
+              </a:extLst>
+            </p:cNvPr>
+            <p:cNvSpPr/>
+            <p:nvPr/>
+          </p:nvSpPr>
+          <p:spPr>
+            <a:xfrm>
+              <a:off x="6372369" y="2811453"/>
+              <a:ext cx="1379105" cy="1393223"/>
+            </a:xfrm>
+            <a:prstGeom prst="rect">
+              <a:avLst/>
+            </a:prstGeom>
+            <a:solidFill>
+              <a:schemeClr val="accent2"/>
+            </a:solidFill>
+            <a:ln>
+              <a:noFill/>
+            </a:ln>
+          </p:spPr>
+          <p:style>
+            <a:lnRef idx="2">
+              <a:schemeClr val="accent1">
+                <a:shade val="50000"/>
+              </a:schemeClr>
+            </a:lnRef>
+            <a:fillRef idx="1">
+              <a:schemeClr val="accent1"/>
+            </a:fillRef>
+            <a:effectRef idx="0">
+              <a:schemeClr val="accent1"/>
+            </a:effectRef>
+            <a:fontRef idx="minor">
+              <a:schemeClr val="lt1"/>
+            </a:fontRef>
+          </p:style>
+          <p:txBody>
+            <a:bodyPr rtlCol="0" anchor="ctr"/>
+            <a:lstStyle/>
+            <a:p>
+              <a:pPr algn="ctr"/>
+              <a:endParaRPr lang="en-US"/>
+            </a:p>
+          </p:txBody>
+        </p:sp>
+        <p:sp>
+          <p:nvSpPr>
+            <p:cNvPr id="33" name="Rectangle 4">
+              <a:extLst>
+                <a:ext uri="{FF2B5EF4-FFF2-40B4-BE49-F238E27FC236}">
+                  <a16:creationId xmlns:a16="http://schemas.microsoft.com/office/drawing/2014/main" id="{5E0580ED-2139-BC41-B9B1-6F09BEF80F02}"/>
+                </a:ext>
+              </a:extLst>
+            </p:cNvPr>
+            <p:cNvSpPr/>
+            <p:nvPr/>
+          </p:nvSpPr>
+          <p:spPr>
+            <a:xfrm>
+              <a:off x="6511019" y="2958265"/>
+              <a:ext cx="1379105" cy="1393223"/>
+            </a:xfrm>
+            <a:prstGeom prst="rect">
+              <a:avLst/>
+            </a:prstGeom>
+            <a:solidFill>
+              <a:schemeClr val="accent2"/>
+            </a:solidFill>
+            <a:ln>
+              <a:noFill/>
+            </a:ln>
+          </p:spPr>
+          <p:style>
+            <a:lnRef idx="2">
+              <a:schemeClr val="accent1">
+                <a:shade val="50000"/>
+              </a:schemeClr>
+            </a:lnRef>
+            <a:fillRef idx="1">
+              <a:schemeClr val="accent1"/>
+            </a:fillRef>
+            <a:effectRef idx="0">
+              <a:schemeClr val="accent1"/>
+            </a:effectRef>
+            <a:fontRef idx="minor">
+              <a:schemeClr val="lt1"/>
+            </a:fontRef>
+          </p:style>
+          <p:txBody>
+            <a:bodyPr rtlCol="0" anchor="ctr"/>
+            <a:lstStyle/>
+            <a:p>
+              <a:pPr algn="ctr"/>
+              <a:endParaRPr lang="en-US"/>
+            </a:p>
+          </p:txBody>
+        </p:sp>
+        <p:sp>
+          <p:nvSpPr>
+            <p:cNvPr id="34" name="Rectangle 25">
+              <a:extLst>
+                <a:ext uri="{FF2B5EF4-FFF2-40B4-BE49-F238E27FC236}">
+                  <a16:creationId xmlns:a16="http://schemas.microsoft.com/office/drawing/2014/main" id="{635F4488-A597-A848-982F-F49F330FB81E}"/>
+                </a:ext>
+              </a:extLst>
+            </p:cNvPr>
+            <p:cNvSpPr/>
+            <p:nvPr/>
+          </p:nvSpPr>
+          <p:spPr>
+            <a:xfrm>
+              <a:off x="6638042" y="3087508"/>
+              <a:ext cx="1379105" cy="1393223"/>
+            </a:xfrm>
+            <a:prstGeom prst="rect">
+              <a:avLst/>
+            </a:prstGeom>
+            <a:solidFill>
+              <a:schemeClr val="accent2"/>
+            </a:solidFill>
+            <a:ln>
+              <a:noFill/>
+            </a:ln>
+          </p:spPr>
+          <p:style>
+            <a:lnRef idx="2">
+              <a:schemeClr val="accent1">
+                <a:shade val="50000"/>
+              </a:schemeClr>
+            </a:lnRef>
+            <a:fillRef idx="1">
+              <a:schemeClr val="accent1"/>
+            </a:fillRef>
+            <a:effectRef idx="0">
+              <a:schemeClr val="accent1"/>
+            </a:effectRef>
+            <a:fontRef idx="minor">
+              <a:schemeClr val="lt1"/>
+            </a:fontRef>
+          </p:style>
+          <p:txBody>
+            <a:bodyPr rtlCol="0" anchor="ctr"/>
+            <a:lstStyle/>
+            <a:p>
+              <a:pPr algn="ctr"/>
+              <a:endParaRPr lang="en-US"/>
+            </a:p>
+          </p:txBody>
+        </p:sp>
+        <p:sp>
+          <p:nvSpPr>
+            <p:cNvPr id="35" name="Rectangle 26">
+              <a:extLst>
+                <a:ext uri="{FF2B5EF4-FFF2-40B4-BE49-F238E27FC236}">
+                  <a16:creationId xmlns:a16="http://schemas.microsoft.com/office/drawing/2014/main" id="{31EB9830-1A91-EB4D-AC64-1261E2AB39A7}"/>
+                </a:ext>
+              </a:extLst>
+            </p:cNvPr>
+            <p:cNvSpPr/>
+            <p:nvPr/>
+          </p:nvSpPr>
+          <p:spPr>
+            <a:xfrm>
+              <a:off x="6781509" y="3278604"/>
+              <a:ext cx="1379105" cy="1393223"/>
+            </a:xfrm>
+            <a:prstGeom prst="rect">
+              <a:avLst/>
+            </a:prstGeom>
+            <a:solidFill>
+              <a:schemeClr val="accent1"/>
+            </a:solidFill>
+            <a:ln>
+              <a:noFill/>
+            </a:ln>
+          </p:spPr>
+          <p:style>
+            <a:lnRef idx="2">
+              <a:schemeClr val="accent1">
+                <a:shade val="50000"/>
+              </a:schemeClr>
+            </a:lnRef>
+            <a:fillRef idx="1">
+              <a:schemeClr val="accent1"/>
+            </a:fillRef>
+            <a:effectRef idx="0">
+              <a:schemeClr val="accent1"/>
+            </a:effectRef>
+            <a:fontRef idx="minor">
+              <a:schemeClr val="lt1"/>
+            </a:fontRef>
+          </p:style>
+          <p:txBody>
+            <a:bodyPr rtlCol="0" anchor="ctr"/>
+            <a:lstStyle/>
+            <a:p>
+              <a:pPr algn="ctr"/>
+              <a:endParaRPr lang="en-US"/>
+            </a:p>
+          </p:txBody>
+        </p:sp>
+        <p:sp>
+          <p:nvSpPr>
+            <p:cNvPr id="36" name="Rectangle 27">
+              <a:extLst>
+                <a:ext uri="{FF2B5EF4-FFF2-40B4-BE49-F238E27FC236}">
+                  <a16:creationId xmlns:a16="http://schemas.microsoft.com/office/drawing/2014/main" id="{1C9658A5-88EB-5041-B60F-36D9682A622D}"/>
+                </a:ext>
+              </a:extLst>
+            </p:cNvPr>
+            <p:cNvSpPr/>
+            <p:nvPr/>
+          </p:nvSpPr>
+          <p:spPr>
+            <a:xfrm>
+              <a:off x="6928262" y="3416591"/>
+              <a:ext cx="1379105" cy="1393223"/>
+            </a:xfrm>
+            <a:prstGeom prst="rect">
+              <a:avLst/>
+            </a:prstGeom>
+            <a:solidFill>
+              <a:schemeClr val="accent4"/>
+            </a:solidFill>
+            <a:ln>
+              <a:noFill/>
+            </a:ln>
+          </p:spPr>
+          <p:style>
+            <a:lnRef idx="2">
+              <a:schemeClr val="accent1">
+                <a:shade val="50000"/>
+              </a:schemeClr>
+            </a:lnRef>
+            <a:fillRef idx="1">
+              <a:schemeClr val="accent1"/>
+            </a:fillRef>
+            <a:effectRef idx="0">
+              <a:schemeClr val="accent1"/>
+            </a:effectRef>
+            <a:fontRef idx="minor">
+              <a:schemeClr val="lt1"/>
+            </a:fontRef>
+          </p:style>
+          <p:txBody>
+            <a:bodyPr rtlCol="0" anchor="ctr"/>
+            <a:lstStyle/>
+            <a:p>
+              <a:pPr algn="ctr"/>
+              <a:endParaRPr lang="en-US"/>
+            </a:p>
+          </p:txBody>
+        </p:sp>
+      </p:grpSp>
+      <p:sp>
+        <p:nvSpPr>
+          <p:cNvPr id="37" name="TextBox 35">
+            <a:extLst>
+              <a:ext uri="{FF2B5EF4-FFF2-40B4-BE49-F238E27FC236}">
+                <a16:creationId xmlns:a16="http://schemas.microsoft.com/office/drawing/2014/main" id="{8440C7EF-8D92-944B-AC21-004DF401B0CE}"/>
+              </a:ext>
+            </a:extLst>
+          </p:cNvPr>
+          <p:cNvSpPr txBox="1"/>
+          <p:nvPr/>
+        </p:nvSpPr>
+        <p:spPr>
+          <a:xfrm>
+            <a:off x="2499005" y="2053247"/>
+            <a:ext cx="707245" cy="523220"/>
+          </a:xfrm>
+          <a:prstGeom prst="rect">
+            <a:avLst/>
+          </a:prstGeom>
+          <a:noFill/>
+        </p:spPr>
+        <p:txBody>
+          <a:bodyPr wrap="none" rtlCol="0">
+            <a:spAutoFit/>
+          </a:bodyPr>
+          <a:lstStyle/>
+          <a:p>
+            <a:r>
+              <a:rPr lang="en-US" sz="2800" dirty="0"/>
+              <a:t>……</a:t>
+            </a:r>
+          </a:p>
+        </p:txBody>
+      </p:sp>
+      <p:sp>
+        <p:nvSpPr>
+          <p:cNvPr id="60" name="左大括弧 59">
+            <a:extLst>
+              <a:ext uri="{FF2B5EF4-FFF2-40B4-BE49-F238E27FC236}">
+                <a16:creationId xmlns:a16="http://schemas.microsoft.com/office/drawing/2014/main" id="{764485CC-42C7-7E44-A73C-F2C53DB2D3F3}"/>
+              </a:ext>
+            </a:extLst>
+          </p:cNvPr>
+          <p:cNvSpPr/>
+          <p:nvPr/>
+        </p:nvSpPr>
+        <p:spPr>
+          <a:xfrm rot="5400000">
+            <a:off x="1495614" y="-146928"/>
+            <a:ext cx="507463" cy="2464785"/>
+          </a:xfrm>
+          <a:prstGeom prst="leftBrace">
+            <a:avLst/>
+          </a:prstGeom>
+          <a:ln w="38100"/>
+        </p:spPr>
+        <p:style>
+          <a:lnRef idx="1">
+            <a:schemeClr val="dk1"/>
+          </a:lnRef>
+          <a:fillRef idx="0">
+            <a:schemeClr val="dk1"/>
+          </a:fillRef>
+          <a:effectRef idx="0">
+            <a:schemeClr val="dk1"/>
+          </a:effectRef>
+          <a:fontRef idx="minor">
+            <a:schemeClr val="tx1"/>
+          </a:fontRef>
+        </p:style>
+        <p:txBody>
+          <a:bodyPr rtlCol="0" anchor="ctr"/>
+          <a:lstStyle/>
+          <a:p>
+            <a:pPr algn="ctr"/>
+            <a:endParaRPr kumimoji="1" lang="zh-TW" altLang="en-US"/>
+          </a:p>
+        </p:txBody>
+      </p:sp>
+      <p:sp>
+        <p:nvSpPr>
+          <p:cNvPr id="61" name="TextBox 35">
+            <a:extLst>
+              <a:ext uri="{FF2B5EF4-FFF2-40B4-BE49-F238E27FC236}">
+                <a16:creationId xmlns:a16="http://schemas.microsoft.com/office/drawing/2014/main" id="{DDF3EE4D-5E8B-2340-89DA-A9C7D98D77F7}"/>
+              </a:ext>
+            </a:extLst>
+          </p:cNvPr>
+          <p:cNvSpPr txBox="1"/>
+          <p:nvPr/>
+        </p:nvSpPr>
+        <p:spPr>
+          <a:xfrm>
+            <a:off x="612855" y="324771"/>
+            <a:ext cx="2593395" cy="461665"/>
+          </a:xfrm>
+          <a:prstGeom prst="rect">
+            <a:avLst/>
+          </a:prstGeom>
+          <a:noFill/>
+        </p:spPr>
+        <p:txBody>
+          <a:bodyPr wrap="square" rtlCol="0">
+            <a:spAutoFit/>
+          </a:bodyPr>
+          <a:lstStyle/>
+          <a:p>
+            <a:r>
+              <a:rPr lang="en-US" sz="2400" dirty="0"/>
+              <a:t>One Past trajectory</a:t>
+            </a:r>
+          </a:p>
+        </p:txBody>
+      </p:sp>
+      <p:sp>
+        <p:nvSpPr>
+          <p:cNvPr id="62" name="矩形 61">
+            <a:extLst>
+              <a:ext uri="{FF2B5EF4-FFF2-40B4-BE49-F238E27FC236}">
+                <a16:creationId xmlns:a16="http://schemas.microsoft.com/office/drawing/2014/main" id="{13E5FED6-98D3-7549-8D62-631FC8528BAB}"/>
+              </a:ext>
+            </a:extLst>
+          </p:cNvPr>
+          <p:cNvSpPr/>
+          <p:nvPr/>
+        </p:nvSpPr>
+        <p:spPr>
+          <a:xfrm>
+            <a:off x="3814244" y="1011833"/>
+            <a:ext cx="1470992" cy="792000"/>
+          </a:xfrm>
+          <a:prstGeom prst="rect">
+            <a:avLst/>
+          </a:prstGeom>
+          <a:solidFill>
+            <a:schemeClr val="accent5">
+              <a:lumMod val="40000"/>
+              <a:lumOff val="60000"/>
+            </a:schemeClr>
+          </a:solidFill>
+          <a:ln>
+            <a:noFill/>
+          </a:ln>
+        </p:spPr>
+        <p:style>
+          <a:lnRef idx="2">
+            <a:schemeClr val="accent1">
+              <a:shade val="50000"/>
+            </a:schemeClr>
+          </a:lnRef>
+          <a:fillRef idx="1">
+            <a:schemeClr val="accent1"/>
+          </a:fillRef>
+          <a:effectRef idx="0">
+            <a:schemeClr val="accent1"/>
+          </a:effectRef>
+          <a:fontRef idx="minor">
+            <a:schemeClr val="lt1"/>
+          </a:fontRef>
+        </p:style>
+        <p:txBody>
+          <a:bodyPr rtlCol="0" anchor="ctr"/>
+          <a:lstStyle/>
+          <a:p>
+            <a:pPr algn="ctr"/>
+            <a:r>
+              <a:rPr kumimoji="1" lang="en-US" altLang="zh-TW" sz="3200" dirty="0" err="1">
+                <a:solidFill>
+                  <a:schemeClr val="tx1"/>
+                </a:solidFill>
+              </a:rPr>
+              <a:t>resnet</a:t>
+            </a:r>
+            <a:endParaRPr kumimoji="1" lang="zh-TW" altLang="en-US" sz="3200" dirty="0">
+              <a:solidFill>
+                <a:schemeClr val="tx1"/>
+              </a:solidFill>
+            </a:endParaRPr>
+          </a:p>
+        </p:txBody>
+      </p:sp>
+      <p:sp>
+        <p:nvSpPr>
+          <p:cNvPr id="64" name="矩形 63">
+            <a:extLst>
+              <a:ext uri="{FF2B5EF4-FFF2-40B4-BE49-F238E27FC236}">
+                <a16:creationId xmlns:a16="http://schemas.microsoft.com/office/drawing/2014/main" id="{B525C6C0-BEF1-9343-BC50-3FFEF93A61DF}"/>
+              </a:ext>
+            </a:extLst>
+          </p:cNvPr>
+          <p:cNvSpPr/>
+          <p:nvPr/>
+        </p:nvSpPr>
+        <p:spPr>
+          <a:xfrm>
+            <a:off x="3814244" y="2382919"/>
+            <a:ext cx="1484786" cy="792000"/>
+          </a:xfrm>
+          <a:prstGeom prst="rect">
+            <a:avLst/>
+          </a:prstGeom>
+          <a:solidFill>
+            <a:schemeClr val="accent5">
+              <a:lumMod val="40000"/>
+              <a:lumOff val="60000"/>
+            </a:schemeClr>
+          </a:solidFill>
+          <a:ln>
+            <a:noFill/>
+          </a:ln>
+        </p:spPr>
+        <p:style>
+          <a:lnRef idx="2">
+            <a:schemeClr val="accent1">
+              <a:shade val="50000"/>
+            </a:schemeClr>
+          </a:lnRef>
+          <a:fillRef idx="1">
+            <a:schemeClr val="accent1"/>
+          </a:fillRef>
+          <a:effectRef idx="0">
+            <a:schemeClr val="accent1"/>
+          </a:effectRef>
+          <a:fontRef idx="minor">
+            <a:schemeClr val="lt1"/>
+          </a:fontRef>
+        </p:style>
+        <p:txBody>
+          <a:bodyPr rtlCol="0" anchor="ctr"/>
+          <a:lstStyle/>
+          <a:p>
+            <a:pPr algn="ctr"/>
+            <a:r>
+              <a:rPr kumimoji="1" lang="en-US" altLang="zh-TW" sz="3200" dirty="0">
+                <a:solidFill>
+                  <a:schemeClr val="tx1"/>
+                </a:solidFill>
+              </a:rPr>
+              <a:t>LSTM</a:t>
+            </a:r>
+            <a:endParaRPr kumimoji="1" lang="zh-TW" altLang="en-US" sz="3200" dirty="0">
+              <a:solidFill>
+                <a:schemeClr val="tx1"/>
+              </a:solidFill>
+            </a:endParaRPr>
+          </a:p>
+        </p:txBody>
+      </p:sp>
+      <p:sp>
+        <p:nvSpPr>
+          <p:cNvPr id="70" name="矩形 69">
+            <a:extLst>
+              <a:ext uri="{FF2B5EF4-FFF2-40B4-BE49-F238E27FC236}">
+                <a16:creationId xmlns:a16="http://schemas.microsoft.com/office/drawing/2014/main" id="{3E924DF4-0846-174D-A1D7-01272D843718}"/>
+              </a:ext>
+            </a:extLst>
+          </p:cNvPr>
+          <p:cNvSpPr/>
+          <p:nvPr/>
+        </p:nvSpPr>
+        <p:spPr>
+          <a:xfrm>
+            <a:off x="3814244" y="3686297"/>
+            <a:ext cx="1508466" cy="792000"/>
+          </a:xfrm>
+          <a:prstGeom prst="rect">
+            <a:avLst/>
+          </a:prstGeom>
+          <a:solidFill>
+            <a:schemeClr val="accent5">
+              <a:lumMod val="40000"/>
+              <a:lumOff val="60000"/>
+            </a:schemeClr>
+          </a:solidFill>
+          <a:ln>
+            <a:noFill/>
+          </a:ln>
+        </p:spPr>
+        <p:style>
+          <a:lnRef idx="2">
+            <a:schemeClr val="accent1">
+              <a:shade val="50000"/>
+            </a:schemeClr>
+          </a:lnRef>
+          <a:fillRef idx="1">
+            <a:schemeClr val="accent1"/>
+          </a:fillRef>
+          <a:effectRef idx="0">
+            <a:schemeClr val="accent1"/>
+          </a:effectRef>
+          <a:fontRef idx="minor">
+            <a:schemeClr val="lt1"/>
+          </a:fontRef>
+        </p:style>
+        <p:txBody>
+          <a:bodyPr rtlCol="0" anchor="ctr"/>
+          <a:lstStyle/>
+          <a:p>
+            <a:pPr algn="ctr"/>
+            <a:r>
+              <a:rPr kumimoji="1" lang="en-US" altLang="zh-TW" sz="2400" dirty="0">
+                <a:solidFill>
+                  <a:schemeClr val="tx1"/>
+                </a:solidFill>
+              </a:rPr>
+              <a:t>character</a:t>
+            </a:r>
+          </a:p>
+          <a:p>
+            <a:pPr algn="ctr"/>
+            <a:r>
+              <a:rPr kumimoji="1" lang="en-US" altLang="zh-TW" sz="2400" dirty="0">
+                <a:solidFill>
+                  <a:schemeClr val="tx1"/>
+                </a:solidFill>
+              </a:rPr>
+              <a:t>vector</a:t>
+            </a:r>
+            <a:endParaRPr kumimoji="1" lang="zh-TW" altLang="en-US" sz="2400" dirty="0">
+              <a:solidFill>
+                <a:schemeClr val="tx1"/>
+              </a:solidFill>
+            </a:endParaRPr>
+          </a:p>
+        </p:txBody>
+      </p:sp>
+      <p:sp>
+        <p:nvSpPr>
+          <p:cNvPr id="71" name="TextBox 35">
+            <a:extLst>
+              <a:ext uri="{FF2B5EF4-FFF2-40B4-BE49-F238E27FC236}">
+                <a16:creationId xmlns:a16="http://schemas.microsoft.com/office/drawing/2014/main" id="{68181D4C-17BB-A547-A808-9D47B24CE448}"/>
+              </a:ext>
+            </a:extLst>
+          </p:cNvPr>
+          <p:cNvSpPr txBox="1"/>
+          <p:nvPr/>
+        </p:nvSpPr>
+        <p:spPr>
+          <a:xfrm>
+            <a:off x="959069" y="3526504"/>
+            <a:ext cx="1877775" cy="461665"/>
+          </a:xfrm>
+          <a:prstGeom prst="rect">
+            <a:avLst/>
+          </a:prstGeom>
+          <a:noFill/>
+        </p:spPr>
+        <p:txBody>
+          <a:bodyPr wrap="square" rtlCol="0">
+            <a:spAutoFit/>
+          </a:bodyPr>
+          <a:lstStyle/>
+          <a:p>
+            <a:r>
+              <a:rPr lang="en-US" sz="2400" dirty="0"/>
+              <a:t>A new game</a:t>
+            </a:r>
+          </a:p>
+        </p:txBody>
+      </p:sp>
+      <p:sp>
+        <p:nvSpPr>
+          <p:cNvPr id="74" name="矩形 73">
+            <a:extLst>
+              <a:ext uri="{FF2B5EF4-FFF2-40B4-BE49-F238E27FC236}">
+                <a16:creationId xmlns:a16="http://schemas.microsoft.com/office/drawing/2014/main" id="{BB3338B5-9888-AD47-B225-F87AFF603EDD}"/>
+              </a:ext>
+            </a:extLst>
+          </p:cNvPr>
+          <p:cNvSpPr/>
+          <p:nvPr/>
+        </p:nvSpPr>
+        <p:spPr>
+          <a:xfrm>
+            <a:off x="3775246" y="5048441"/>
+            <a:ext cx="1470992" cy="792000"/>
+          </a:xfrm>
+          <a:prstGeom prst="rect">
+            <a:avLst/>
+          </a:prstGeom>
+          <a:solidFill>
+            <a:schemeClr val="accent2">
+              <a:lumMod val="60000"/>
+              <a:lumOff val="40000"/>
+            </a:schemeClr>
+          </a:solidFill>
+          <a:ln>
+            <a:noFill/>
+          </a:ln>
+        </p:spPr>
+        <p:style>
+          <a:lnRef idx="2">
+            <a:schemeClr val="accent1">
+              <a:shade val="50000"/>
+            </a:schemeClr>
+          </a:lnRef>
+          <a:fillRef idx="1">
+            <a:schemeClr val="accent1"/>
+          </a:fillRef>
+          <a:effectRef idx="0">
+            <a:schemeClr val="accent1"/>
+          </a:effectRef>
+          <a:fontRef idx="minor">
+            <a:schemeClr val="lt1"/>
+          </a:fontRef>
+        </p:style>
+        <p:txBody>
+          <a:bodyPr rtlCol="0" anchor="ctr"/>
+          <a:lstStyle/>
+          <a:p>
+            <a:pPr algn="ctr"/>
+            <a:r>
+              <a:rPr kumimoji="1" lang="en-US" altLang="zh-TW" sz="3200" dirty="0" err="1">
+                <a:solidFill>
+                  <a:schemeClr val="tx1"/>
+                </a:solidFill>
+              </a:rPr>
+              <a:t>resnet</a:t>
+            </a:r>
+            <a:endParaRPr kumimoji="1" lang="zh-TW" altLang="en-US" sz="3200" dirty="0">
+              <a:solidFill>
+                <a:schemeClr val="tx1"/>
+              </a:solidFill>
+            </a:endParaRPr>
+          </a:p>
+        </p:txBody>
+      </p:sp>
+      <p:sp>
+        <p:nvSpPr>
+          <p:cNvPr id="77" name="矩形 76">
+            <a:extLst>
+              <a:ext uri="{FF2B5EF4-FFF2-40B4-BE49-F238E27FC236}">
+                <a16:creationId xmlns:a16="http://schemas.microsoft.com/office/drawing/2014/main" id="{773A07B1-5D01-FC41-BE04-DE4CDD307F74}"/>
+              </a:ext>
+            </a:extLst>
+          </p:cNvPr>
+          <p:cNvSpPr/>
+          <p:nvPr/>
+        </p:nvSpPr>
+        <p:spPr>
+          <a:xfrm>
+            <a:off x="5815584" y="5048441"/>
+            <a:ext cx="1195041" cy="792000"/>
+          </a:xfrm>
+          <a:prstGeom prst="rect">
+            <a:avLst/>
+          </a:prstGeom>
+          <a:solidFill>
+            <a:schemeClr val="accent2">
+              <a:lumMod val="60000"/>
+              <a:lumOff val="40000"/>
+            </a:schemeClr>
+          </a:solidFill>
+          <a:ln>
+            <a:noFill/>
+          </a:ln>
+        </p:spPr>
+        <p:style>
+          <a:lnRef idx="2">
+            <a:schemeClr val="accent1">
+              <a:shade val="50000"/>
+            </a:schemeClr>
+          </a:lnRef>
+          <a:fillRef idx="1">
+            <a:schemeClr val="accent1"/>
+          </a:fillRef>
+          <a:effectRef idx="0">
+            <a:schemeClr val="accent1"/>
+          </a:effectRef>
+          <a:fontRef idx="minor">
+            <a:schemeClr val="lt1"/>
+          </a:fontRef>
+        </p:style>
+        <p:txBody>
+          <a:bodyPr rtlCol="0" anchor="ctr"/>
+          <a:lstStyle/>
+          <a:p>
+            <a:pPr algn="ctr"/>
+            <a:r>
+              <a:rPr kumimoji="1" lang="en-US" altLang="zh-TW" sz="2400" dirty="0" err="1">
+                <a:solidFill>
+                  <a:schemeClr val="tx1"/>
+                </a:solidFill>
+              </a:rPr>
+              <a:t>softmax</a:t>
+            </a:r>
+            <a:endParaRPr kumimoji="1" lang="zh-TW" altLang="en-US" sz="2400" dirty="0">
+              <a:solidFill>
+                <a:schemeClr val="tx1"/>
+              </a:solidFill>
+            </a:endParaRPr>
+          </a:p>
+        </p:txBody>
+      </p:sp>
+      <p:sp>
+        <p:nvSpPr>
+          <p:cNvPr id="79" name="矩形 78">
+            <a:extLst>
+              <a:ext uri="{FF2B5EF4-FFF2-40B4-BE49-F238E27FC236}">
+                <a16:creationId xmlns:a16="http://schemas.microsoft.com/office/drawing/2014/main" id="{9B3587D4-8E1D-3448-BE46-EEBE58698DF3}"/>
+              </a:ext>
+            </a:extLst>
+          </p:cNvPr>
+          <p:cNvSpPr/>
+          <p:nvPr/>
+        </p:nvSpPr>
+        <p:spPr>
+          <a:xfrm>
+            <a:off x="5815584" y="3686297"/>
+            <a:ext cx="1195041" cy="792000"/>
+          </a:xfrm>
+          <a:prstGeom prst="rect">
+            <a:avLst/>
+          </a:prstGeom>
+          <a:solidFill>
+            <a:schemeClr val="accent2">
+              <a:lumMod val="60000"/>
+              <a:lumOff val="40000"/>
+            </a:schemeClr>
+          </a:solidFill>
+          <a:ln>
+            <a:noFill/>
+          </a:ln>
+        </p:spPr>
+        <p:style>
+          <a:lnRef idx="2">
+            <a:schemeClr val="accent1">
+              <a:shade val="50000"/>
+            </a:schemeClr>
+          </a:lnRef>
+          <a:fillRef idx="1">
+            <a:schemeClr val="accent1"/>
+          </a:fillRef>
+          <a:effectRef idx="0">
+            <a:schemeClr val="accent1"/>
+          </a:effectRef>
+          <a:fontRef idx="minor">
+            <a:schemeClr val="lt1"/>
+          </a:fontRef>
+        </p:style>
+        <p:txBody>
+          <a:bodyPr rtlCol="0" anchor="ctr"/>
+          <a:lstStyle/>
+          <a:p>
+            <a:pPr algn="ctr"/>
+            <a:r>
+              <a:rPr kumimoji="1" lang="en-US" altLang="zh-TW" sz="2400" dirty="0">
+                <a:solidFill>
+                  <a:schemeClr val="tx1"/>
+                </a:solidFill>
+              </a:rPr>
+              <a:t>Final target</a:t>
+            </a:r>
+            <a:endParaRPr kumimoji="1" lang="zh-TW" altLang="en-US" sz="2400" dirty="0">
+              <a:solidFill>
+                <a:schemeClr val="tx1"/>
+              </a:solidFill>
+            </a:endParaRPr>
+          </a:p>
+        </p:txBody>
+      </p:sp>
+      <p:pic>
+        <p:nvPicPr>
+          <p:cNvPr id="90" name="圖片 89">
+            <a:extLst>
+              <a:ext uri="{FF2B5EF4-FFF2-40B4-BE49-F238E27FC236}">
+                <a16:creationId xmlns:a16="http://schemas.microsoft.com/office/drawing/2014/main" id="{E223FD75-9298-9348-B3C0-8B9CA9E7E385}"/>
+              </a:ext>
+            </a:extLst>
+          </p:cNvPr>
+          <p:cNvPicPr>
+            <a:picLocks noChangeAspect="1"/>
+          </p:cNvPicPr>
+          <p:nvPr/>
+        </p:nvPicPr>
+        <p:blipFill>
+          <a:blip r:embed="rId2"/>
+          <a:stretch>
+            <a:fillRect/>
+          </a:stretch>
+        </p:blipFill>
+        <p:spPr>
+          <a:xfrm>
+            <a:off x="516114" y="4027251"/>
+            <a:ext cx="2585034" cy="2716849"/>
+          </a:xfrm>
+          <a:prstGeom prst="rect">
+            <a:avLst/>
+          </a:prstGeom>
+        </p:spPr>
+      </p:pic>
+      <p:cxnSp>
+        <p:nvCxnSpPr>
+          <p:cNvPr id="103" name="直線箭頭接點 102">
+            <a:extLst>
+              <a:ext uri="{FF2B5EF4-FFF2-40B4-BE49-F238E27FC236}">
+                <a16:creationId xmlns:a16="http://schemas.microsoft.com/office/drawing/2014/main" id="{B422DE37-ECA3-AF49-B1BC-5CD68693CE1C}"/>
+              </a:ext>
+            </a:extLst>
+          </p:cNvPr>
+          <p:cNvCxnSpPr>
+            <a:cxnSpLocks/>
+          </p:cNvCxnSpPr>
+          <p:nvPr/>
+        </p:nvCxnSpPr>
+        <p:spPr>
+          <a:xfrm flipH="1">
+            <a:off x="4531310" y="1882559"/>
+            <a:ext cx="13509" cy="482816"/>
+          </a:xfrm>
+          <a:prstGeom prst="straightConnector1">
+            <a:avLst/>
+          </a:prstGeom>
+          <a:ln w="76200">
+            <a:solidFill>
+              <a:schemeClr val="tx1"/>
+            </a:solidFill>
+            <a:tailEnd type="triangle"/>
+          </a:ln>
+        </p:spPr>
+        <p:style>
+          <a:lnRef idx="1">
+            <a:schemeClr val="accent1"/>
+          </a:lnRef>
+          <a:fillRef idx="0">
+            <a:schemeClr val="accent1"/>
+          </a:fillRef>
+          <a:effectRef idx="0">
+            <a:schemeClr val="accent1"/>
+          </a:effectRef>
+          <a:fontRef idx="minor">
+            <a:schemeClr val="tx1"/>
+          </a:fontRef>
+        </p:style>
+      </p:cxnSp>
+      <p:cxnSp>
+        <p:nvCxnSpPr>
+          <p:cNvPr id="106" name="直線箭頭接點 105">
+            <a:extLst>
+              <a:ext uri="{FF2B5EF4-FFF2-40B4-BE49-F238E27FC236}">
+                <a16:creationId xmlns:a16="http://schemas.microsoft.com/office/drawing/2014/main" id="{116354BD-5853-AE47-9B98-D503885DE73F}"/>
+              </a:ext>
+            </a:extLst>
+          </p:cNvPr>
+          <p:cNvCxnSpPr>
+            <a:cxnSpLocks/>
+          </p:cNvCxnSpPr>
+          <p:nvPr/>
+        </p:nvCxnSpPr>
+        <p:spPr>
+          <a:xfrm>
+            <a:off x="3133598" y="1446819"/>
+            <a:ext cx="587518" cy="0"/>
+          </a:xfrm>
+          <a:prstGeom prst="straightConnector1">
+            <a:avLst/>
+          </a:prstGeom>
+          <a:ln w="76200">
+            <a:solidFill>
+              <a:schemeClr val="tx1"/>
+            </a:solidFill>
+            <a:tailEnd type="triangle"/>
+          </a:ln>
+        </p:spPr>
+        <p:style>
+          <a:lnRef idx="1">
+            <a:schemeClr val="accent1"/>
+          </a:lnRef>
+          <a:fillRef idx="0">
+            <a:schemeClr val="accent1"/>
+          </a:fillRef>
+          <a:effectRef idx="0">
+            <a:schemeClr val="accent1"/>
+          </a:effectRef>
+          <a:fontRef idx="minor">
+            <a:schemeClr val="tx1"/>
+          </a:fontRef>
+        </p:style>
+      </p:cxnSp>
+      <p:cxnSp>
+        <p:nvCxnSpPr>
+          <p:cNvPr id="108" name="直線箭頭接點 107">
+            <a:extLst>
+              <a:ext uri="{FF2B5EF4-FFF2-40B4-BE49-F238E27FC236}">
+                <a16:creationId xmlns:a16="http://schemas.microsoft.com/office/drawing/2014/main" id="{924C5EAF-6BF9-EC4E-9DE5-418C91777031}"/>
+              </a:ext>
+            </a:extLst>
+          </p:cNvPr>
+          <p:cNvCxnSpPr>
+            <a:cxnSpLocks/>
+          </p:cNvCxnSpPr>
+          <p:nvPr/>
+        </p:nvCxnSpPr>
+        <p:spPr>
+          <a:xfrm>
+            <a:off x="3184219" y="5453941"/>
+            <a:ext cx="486275" cy="0"/>
+          </a:xfrm>
+          <a:prstGeom prst="straightConnector1">
+            <a:avLst/>
+          </a:prstGeom>
+          <a:ln w="76200">
+            <a:solidFill>
+              <a:schemeClr val="tx1"/>
+            </a:solidFill>
+            <a:tailEnd type="triangle"/>
+          </a:ln>
+        </p:spPr>
+        <p:style>
+          <a:lnRef idx="1">
+            <a:schemeClr val="accent1"/>
+          </a:lnRef>
+          <a:fillRef idx="0">
+            <a:schemeClr val="accent1"/>
+          </a:fillRef>
+          <a:effectRef idx="0">
+            <a:schemeClr val="accent1"/>
+          </a:effectRef>
+          <a:fontRef idx="minor">
+            <a:schemeClr val="tx1"/>
+          </a:fontRef>
+        </p:style>
+      </p:cxnSp>
+      <p:cxnSp>
+        <p:nvCxnSpPr>
+          <p:cNvPr id="110" name="直線箭頭接點 109">
+            <a:extLst>
+              <a:ext uri="{FF2B5EF4-FFF2-40B4-BE49-F238E27FC236}">
+                <a16:creationId xmlns:a16="http://schemas.microsoft.com/office/drawing/2014/main" id="{26F79998-998C-1D4A-AEA5-4FFBE7118D57}"/>
+              </a:ext>
+            </a:extLst>
+          </p:cNvPr>
+          <p:cNvCxnSpPr>
+            <a:cxnSpLocks/>
+          </p:cNvCxnSpPr>
+          <p:nvPr/>
+        </p:nvCxnSpPr>
+        <p:spPr>
+          <a:xfrm>
+            <a:off x="5285236" y="5453941"/>
+            <a:ext cx="530348" cy="0"/>
+          </a:xfrm>
+          <a:prstGeom prst="straightConnector1">
+            <a:avLst/>
+          </a:prstGeom>
+          <a:ln w="76200">
+            <a:solidFill>
+              <a:schemeClr val="tx1"/>
+            </a:solidFill>
+            <a:tailEnd type="triangle"/>
+          </a:ln>
+        </p:spPr>
+        <p:style>
+          <a:lnRef idx="1">
+            <a:schemeClr val="accent1"/>
+          </a:lnRef>
+          <a:fillRef idx="0">
+            <a:schemeClr val="accent1"/>
+          </a:fillRef>
+          <a:effectRef idx="0">
+            <a:schemeClr val="accent1"/>
+          </a:effectRef>
+          <a:fontRef idx="minor">
+            <a:schemeClr val="tx1"/>
+          </a:fontRef>
+        </p:style>
+      </p:cxnSp>
+      <p:cxnSp>
+        <p:nvCxnSpPr>
+          <p:cNvPr id="111" name="直線箭頭接點 110">
+            <a:extLst>
+              <a:ext uri="{FF2B5EF4-FFF2-40B4-BE49-F238E27FC236}">
+                <a16:creationId xmlns:a16="http://schemas.microsoft.com/office/drawing/2014/main" id="{F830B913-208D-4B4A-B162-19673DD019E2}"/>
+              </a:ext>
+            </a:extLst>
+          </p:cNvPr>
+          <p:cNvCxnSpPr>
+            <a:cxnSpLocks/>
+          </p:cNvCxnSpPr>
+          <p:nvPr/>
+        </p:nvCxnSpPr>
+        <p:spPr>
+          <a:xfrm flipV="1">
+            <a:off x="6413104" y="4461780"/>
+            <a:ext cx="0" cy="509529"/>
+          </a:xfrm>
+          <a:prstGeom prst="straightConnector1">
+            <a:avLst/>
+          </a:prstGeom>
+          <a:ln w="76200">
+            <a:solidFill>
+              <a:schemeClr val="tx1"/>
+            </a:solidFill>
+            <a:tailEnd type="triangle"/>
+          </a:ln>
+        </p:spPr>
+        <p:style>
+          <a:lnRef idx="1">
+            <a:schemeClr val="accent1"/>
+          </a:lnRef>
+          <a:fillRef idx="0">
+            <a:schemeClr val="accent1"/>
+          </a:fillRef>
+          <a:effectRef idx="0">
+            <a:schemeClr val="accent1"/>
+          </a:effectRef>
+          <a:fontRef idx="minor">
+            <a:schemeClr val="tx1"/>
+          </a:fontRef>
+        </p:style>
+      </p:cxnSp>
+      <p:cxnSp>
+        <p:nvCxnSpPr>
+          <p:cNvPr id="39" name="直線箭頭接點 38">
+            <a:extLst>
+              <a:ext uri="{FF2B5EF4-FFF2-40B4-BE49-F238E27FC236}">
+                <a16:creationId xmlns:a16="http://schemas.microsoft.com/office/drawing/2014/main" id="{EBFC790F-9A3B-AF4E-A071-9C27F667695A}"/>
+              </a:ext>
+            </a:extLst>
+          </p:cNvPr>
+          <p:cNvCxnSpPr>
+            <a:cxnSpLocks/>
+          </p:cNvCxnSpPr>
+          <p:nvPr/>
+        </p:nvCxnSpPr>
+        <p:spPr>
+          <a:xfrm>
+            <a:off x="4538064" y="3174919"/>
+            <a:ext cx="0" cy="486695"/>
+          </a:xfrm>
+          <a:prstGeom prst="straightConnector1">
+            <a:avLst/>
+          </a:prstGeom>
+          <a:ln w="76200">
+            <a:solidFill>
+              <a:schemeClr val="tx1"/>
+            </a:solidFill>
+            <a:tailEnd type="triangle"/>
+          </a:ln>
+        </p:spPr>
+        <p:style>
+          <a:lnRef idx="1">
+            <a:schemeClr val="accent1"/>
+          </a:lnRef>
+          <a:fillRef idx="0">
+            <a:schemeClr val="accent1"/>
+          </a:fillRef>
+          <a:effectRef idx="0">
+            <a:schemeClr val="accent1"/>
+          </a:effectRef>
+          <a:fontRef idx="minor">
+            <a:schemeClr val="tx1"/>
+          </a:fontRef>
+        </p:style>
+      </p:cxnSp>
+      <p:cxnSp>
+        <p:nvCxnSpPr>
+          <p:cNvPr id="40" name="直線箭頭接點 39">
+            <a:extLst>
+              <a:ext uri="{FF2B5EF4-FFF2-40B4-BE49-F238E27FC236}">
+                <a16:creationId xmlns:a16="http://schemas.microsoft.com/office/drawing/2014/main" id="{9F3DB771-2D1B-9948-844B-87C5C89C4B58}"/>
+              </a:ext>
+            </a:extLst>
+          </p:cNvPr>
+          <p:cNvCxnSpPr>
+            <a:cxnSpLocks/>
+          </p:cNvCxnSpPr>
+          <p:nvPr/>
+        </p:nvCxnSpPr>
+        <p:spPr>
+          <a:xfrm>
+            <a:off x="4538064" y="4484614"/>
+            <a:ext cx="0" cy="486695"/>
+          </a:xfrm>
+          <a:prstGeom prst="straightConnector1">
+            <a:avLst/>
+          </a:prstGeom>
+          <a:ln w="76200">
+            <a:solidFill>
+              <a:schemeClr val="tx1"/>
+            </a:solidFill>
+            <a:tailEnd type="triangle"/>
+          </a:ln>
+        </p:spPr>
+        <p:style>
+          <a:lnRef idx="1">
+            <a:schemeClr val="accent1"/>
+          </a:lnRef>
+          <a:fillRef idx="0">
+            <a:schemeClr val="accent1"/>
+          </a:fillRef>
+          <a:effectRef idx="0">
+            <a:schemeClr val="accent1"/>
+          </a:effectRef>
+          <a:fontRef idx="minor">
+            <a:schemeClr val="tx1"/>
+          </a:fontRef>
+        </p:style>
+      </p:cxnSp>
+    </p:spTree>
+    <p:extLst>
+      <p:ext uri="{BB962C8B-B14F-4D97-AF65-F5344CB8AC3E}">
+        <p14:creationId xmlns:p14="http://schemas.microsoft.com/office/powerpoint/2010/main" val="2825968112"/>
+      </p:ext>
+    </p:extLst>
+  </p:cSld>
+  <p:clrMapOvr>
+    <a:masterClrMapping/>
+  </p:clrMapOvr>
+</p:sld>
+</file>
+
+<file path=ppt/slides/slide21.xml><?xml version="1.0" encoding="utf-8"?>
 <p:sld xmlns:a="http://schemas.openxmlformats.org/drawingml/2006/main" xmlns:r="http://schemas.openxmlformats.org/officeDocument/2006/relationships" xmlns:p="http://schemas.openxmlformats.org/presentationml/2006/main">
   <p:cSld>
     <p:spTree>
@@ -31551,7 +33024,7 @@
 </p:sld>
 </file>
 
-<file path=ppt/slides/slide21.xml><?xml version="1.0" encoding="utf-8"?>
+<file path=ppt/slides/slide22.xml><?xml version="1.0" encoding="utf-8"?>
 <p:sld xmlns:a="http://schemas.openxmlformats.org/drawingml/2006/main" xmlns:r="http://schemas.openxmlformats.org/officeDocument/2006/relationships" xmlns:p="http://schemas.openxmlformats.org/presentationml/2006/main">
   <p:cSld>
     <p:spTree>
@@ -32169,7 +33642,7 @@
 </p:sld>
 </file>
 
-<file path=ppt/slides/slide22.xml><?xml version="1.0" encoding="utf-8"?>
+<file path=ppt/slides/slide23.xml><?xml version="1.0" encoding="utf-8"?>
 <p:sld xmlns:a="http://schemas.openxmlformats.org/drawingml/2006/main" xmlns:r="http://schemas.openxmlformats.org/officeDocument/2006/relationships" xmlns:p="http://schemas.openxmlformats.org/presentationml/2006/main">
   <p:cSld>
     <p:spTree>

--- a/report/ToMNET.pptx
+++ b/report/ToMNET.pptx
@@ -4903,10 +4903,10 @@
   <dgm:cxnLst>
     <dgm:cxn modelId="{CD5D9D16-0B88-475A-8B30-AF53E4F22C77}" srcId="{ACB1D816-21A5-46E3-9D86-620FB2843241}" destId="{4470D684-370C-47D1-A161-F3E517E456BE}" srcOrd="4" destOrd="0" parTransId="{C531F747-EE8C-4CED-A746-03D60E4173AB}" sibTransId="{2692750F-7609-4EFC-BF83-D5B1636EA910}"/>
     <dgm:cxn modelId="{153D1620-8C5B-4B6D-A7B1-6FC3FB3C0A8D}" type="presOf" srcId="{477871BB-9544-4E47-A734-E61D691C1B76}" destId="{48338571-3D85-418A-B5BA-1A24A6788D1B}" srcOrd="0" destOrd="0" presId="urn:microsoft.com/office/officeart/2005/8/layout/process4"/>
+    <dgm:cxn modelId="{33441762-1845-40B2-B3AC-73569537A851}" srcId="{ACB1D816-21A5-46E3-9D86-620FB2843241}" destId="{88E5C27A-8CA0-4FBC-AB48-456D10706830}" srcOrd="1" destOrd="0" parTransId="{D6EBFA90-F523-41A4-B0B9-6AB024A0892D}" sibTransId="{94D5D670-3E96-4C68-9A72-6312BA66F657}"/>
+    <dgm:cxn modelId="{13B11D65-8D8F-46C2-8DD7-98EEAB99F8B4}" type="presOf" srcId="{4470D684-370C-47D1-A161-F3E517E456BE}" destId="{E8CC1560-CEF5-4DD0-9CCD-48B2D67C57BE}" srcOrd="0" destOrd="0" presId="urn:microsoft.com/office/officeart/2005/8/layout/process4"/>
     <dgm:cxn modelId="{712FA652-AE73-433B-B01B-27E061684AC8}" srcId="{ACB1D816-21A5-46E3-9D86-620FB2843241}" destId="{58DFB559-3ACE-42AA-83BB-83786FB4D71B}" srcOrd="0" destOrd="0" parTransId="{7E56FE57-B498-4778-B055-11BB5BDD5271}" sibTransId="{793BEF72-DF3B-4EAD-AE33-F3284AEAD610}"/>
     <dgm:cxn modelId="{91233954-B02D-4BF4-9B05-396D5FAF9F72}" srcId="{ACB1D816-21A5-46E3-9D86-620FB2843241}" destId="{D7120C47-C736-44D2-82A9-764967A798EE}" srcOrd="2" destOrd="0" parTransId="{D9CA1534-17F3-4460-9983-6E8939E09134}" sibTransId="{43BC04AC-92E7-4A6A-8AFC-77F58D03128F}"/>
-    <dgm:cxn modelId="{33441762-1845-40B2-B3AC-73569537A851}" srcId="{ACB1D816-21A5-46E3-9D86-620FB2843241}" destId="{88E5C27A-8CA0-4FBC-AB48-456D10706830}" srcOrd="1" destOrd="0" parTransId="{D6EBFA90-F523-41A4-B0B9-6AB024A0892D}" sibTransId="{94D5D670-3E96-4C68-9A72-6312BA66F657}"/>
-    <dgm:cxn modelId="{13B11D65-8D8F-46C2-8DD7-98EEAB99F8B4}" type="presOf" srcId="{4470D684-370C-47D1-A161-F3E517E456BE}" destId="{E8CC1560-CEF5-4DD0-9CCD-48B2D67C57BE}" srcOrd="0" destOrd="0" presId="urn:microsoft.com/office/officeart/2005/8/layout/process4"/>
     <dgm:cxn modelId="{EACDBEBC-062D-41F6-A34B-94172C2C25BA}" srcId="{ACB1D816-21A5-46E3-9D86-620FB2843241}" destId="{477871BB-9544-4E47-A734-E61D691C1B76}" srcOrd="3" destOrd="0" parTransId="{9274A817-0511-4D33-A907-2E228DDAA511}" sibTransId="{B13E171E-3A78-4E58-A86A-E0D178AE4820}"/>
     <dgm:cxn modelId="{C29054C8-AFDE-40C4-AD82-22525CA96D01}" type="presOf" srcId="{58DFB559-3ACE-42AA-83BB-83786FB4D71B}" destId="{81C75086-872E-4E8A-B445-15F865F2B46E}" srcOrd="0" destOrd="0" presId="urn:microsoft.com/office/officeart/2005/8/layout/process4"/>
     <dgm:cxn modelId="{B7B36DC9-C131-4EF7-938E-B835140696F0}" type="presOf" srcId="{ACB1D816-21A5-46E3-9D86-620FB2843241}" destId="{B5F8CE33-EBCA-4F24-925E-8CBB8A52351E}" srcOrd="0" destOrd="0" presId="urn:microsoft.com/office/officeart/2005/8/layout/process4"/>
@@ -5214,9 +5214,9 @@
   <dgm:cxnLst>
     <dgm:cxn modelId="{FC2CB332-88E2-43AF-B873-2DD4A041FC65}" type="presOf" srcId="{477871BB-9544-4E47-A734-E61D691C1B76}" destId="{F4380E4C-9DA9-41F8-9A6B-58B4262A0A20}" srcOrd="0" destOrd="0" presId="urn:microsoft.com/office/officeart/2005/8/layout/process4"/>
     <dgm:cxn modelId="{17674338-E8CF-400F-AE64-B524D88D304D}" srcId="{ACB1D816-21A5-46E3-9D86-620FB2843241}" destId="{7A913057-F6F2-457A-9056-CE49EAF4FC8F}" srcOrd="4" destOrd="0" parTransId="{1488B376-86F2-41A0-9523-A0CD1A02FE2F}" sibTransId="{F9C381F3-D323-428C-997C-BDE2EB644259}"/>
+    <dgm:cxn modelId="{33441762-1845-40B2-B3AC-73569537A851}" srcId="{ACB1D816-21A5-46E3-9D86-620FB2843241}" destId="{88E5C27A-8CA0-4FBC-AB48-456D10706830}" srcOrd="1" destOrd="0" parTransId="{D6EBFA90-F523-41A4-B0B9-6AB024A0892D}" sibTransId="{94D5D670-3E96-4C68-9A72-6312BA66F657}"/>
     <dgm:cxn modelId="{712FA652-AE73-433B-B01B-27E061684AC8}" srcId="{ACB1D816-21A5-46E3-9D86-620FB2843241}" destId="{58DFB559-3ACE-42AA-83BB-83786FB4D71B}" srcOrd="0" destOrd="0" parTransId="{7E56FE57-B498-4778-B055-11BB5BDD5271}" sibTransId="{793BEF72-DF3B-4EAD-AE33-F3284AEAD610}"/>
     <dgm:cxn modelId="{91233954-B02D-4BF4-9B05-396D5FAF9F72}" srcId="{ACB1D816-21A5-46E3-9D86-620FB2843241}" destId="{D7120C47-C736-44D2-82A9-764967A798EE}" srcOrd="2" destOrd="0" parTransId="{D9CA1534-17F3-4460-9983-6E8939E09134}" sibTransId="{43BC04AC-92E7-4A6A-8AFC-77F58D03128F}"/>
-    <dgm:cxn modelId="{33441762-1845-40B2-B3AC-73569537A851}" srcId="{ACB1D816-21A5-46E3-9D86-620FB2843241}" destId="{88E5C27A-8CA0-4FBC-AB48-456D10706830}" srcOrd="1" destOrd="0" parTransId="{D6EBFA90-F523-41A4-B0B9-6AB024A0892D}" sibTransId="{94D5D670-3E96-4C68-9A72-6312BA66F657}"/>
     <dgm:cxn modelId="{E4C9CBAA-5F50-4122-A1B4-7B0C5F95B9ED}" type="presOf" srcId="{7A913057-F6F2-457A-9056-CE49EAF4FC8F}" destId="{D0801BC1-28C8-49B0-A13C-B0689A4C4AD9}" srcOrd="0" destOrd="0" presId="urn:microsoft.com/office/officeart/2005/8/layout/process4"/>
     <dgm:cxn modelId="{EACDBEBC-062D-41F6-A34B-94172C2C25BA}" srcId="{ACB1D816-21A5-46E3-9D86-620FB2843241}" destId="{477871BB-9544-4E47-A734-E61D691C1B76}" srcOrd="3" destOrd="0" parTransId="{9274A817-0511-4D33-A907-2E228DDAA511}" sibTransId="{B13E171E-3A78-4E58-A86A-E0D178AE4820}"/>
     <dgm:cxn modelId="{C29054C8-AFDE-40C4-AD82-22525CA96D01}" type="presOf" srcId="{58DFB559-3ACE-42AA-83BB-83786FB4D71B}" destId="{81C75086-872E-4E8A-B445-15F865F2B46E}" srcOrd="0" destOrd="0" presId="urn:microsoft.com/office/officeart/2005/8/layout/process4"/>
@@ -5529,9 +5529,9 @@
   <dgm:cxnLst>
     <dgm:cxn modelId="{FC2CB332-88E2-43AF-B873-2DD4A041FC65}" type="presOf" srcId="{477871BB-9544-4E47-A734-E61D691C1B76}" destId="{F4380E4C-9DA9-41F8-9A6B-58B4262A0A20}" srcOrd="0" destOrd="0" presId="urn:microsoft.com/office/officeart/2005/8/layout/process4"/>
     <dgm:cxn modelId="{17674338-E8CF-400F-AE64-B524D88D304D}" srcId="{ACB1D816-21A5-46E3-9D86-620FB2843241}" destId="{7A913057-F6F2-457A-9056-CE49EAF4FC8F}" srcOrd="4" destOrd="0" parTransId="{1488B376-86F2-41A0-9523-A0CD1A02FE2F}" sibTransId="{F9C381F3-D323-428C-997C-BDE2EB644259}"/>
+    <dgm:cxn modelId="{33441762-1845-40B2-B3AC-73569537A851}" srcId="{ACB1D816-21A5-46E3-9D86-620FB2843241}" destId="{88E5C27A-8CA0-4FBC-AB48-456D10706830}" srcOrd="1" destOrd="0" parTransId="{D6EBFA90-F523-41A4-B0B9-6AB024A0892D}" sibTransId="{94D5D670-3E96-4C68-9A72-6312BA66F657}"/>
     <dgm:cxn modelId="{712FA652-AE73-433B-B01B-27E061684AC8}" srcId="{ACB1D816-21A5-46E3-9D86-620FB2843241}" destId="{58DFB559-3ACE-42AA-83BB-83786FB4D71B}" srcOrd="0" destOrd="0" parTransId="{7E56FE57-B498-4778-B055-11BB5BDD5271}" sibTransId="{793BEF72-DF3B-4EAD-AE33-F3284AEAD610}"/>
     <dgm:cxn modelId="{91233954-B02D-4BF4-9B05-396D5FAF9F72}" srcId="{ACB1D816-21A5-46E3-9D86-620FB2843241}" destId="{D7120C47-C736-44D2-82A9-764967A798EE}" srcOrd="2" destOrd="0" parTransId="{D9CA1534-17F3-4460-9983-6E8939E09134}" sibTransId="{43BC04AC-92E7-4A6A-8AFC-77F58D03128F}"/>
-    <dgm:cxn modelId="{33441762-1845-40B2-B3AC-73569537A851}" srcId="{ACB1D816-21A5-46E3-9D86-620FB2843241}" destId="{88E5C27A-8CA0-4FBC-AB48-456D10706830}" srcOrd="1" destOrd="0" parTransId="{D6EBFA90-F523-41A4-B0B9-6AB024A0892D}" sibTransId="{94D5D670-3E96-4C68-9A72-6312BA66F657}"/>
     <dgm:cxn modelId="{E4C9CBAA-5F50-4122-A1B4-7B0C5F95B9ED}" type="presOf" srcId="{7A913057-F6F2-457A-9056-CE49EAF4FC8F}" destId="{D0801BC1-28C8-49B0-A13C-B0689A4C4AD9}" srcOrd="0" destOrd="0" presId="urn:microsoft.com/office/officeart/2005/8/layout/process4"/>
     <dgm:cxn modelId="{EACDBEBC-062D-41F6-A34B-94172C2C25BA}" srcId="{ACB1D816-21A5-46E3-9D86-620FB2843241}" destId="{477871BB-9544-4E47-A734-E61D691C1B76}" srcOrd="3" destOrd="0" parTransId="{9274A817-0511-4D33-A907-2E228DDAA511}" sibTransId="{B13E171E-3A78-4E58-A86A-E0D178AE4820}"/>
     <dgm:cxn modelId="{C29054C8-AFDE-40C4-AD82-22525CA96D01}" type="presOf" srcId="{58DFB559-3ACE-42AA-83BB-83786FB4D71B}" destId="{81C75086-872E-4E8A-B445-15F865F2B46E}" srcOrd="0" destOrd="0" presId="urn:microsoft.com/office/officeart/2005/8/layout/process4"/>
@@ -5844,9 +5844,9 @@
   <dgm:cxnLst>
     <dgm:cxn modelId="{FC2CB332-88E2-43AF-B873-2DD4A041FC65}" type="presOf" srcId="{477871BB-9544-4E47-A734-E61D691C1B76}" destId="{F4380E4C-9DA9-41F8-9A6B-58B4262A0A20}" srcOrd="0" destOrd="0" presId="urn:microsoft.com/office/officeart/2005/8/layout/process4"/>
     <dgm:cxn modelId="{17674338-E8CF-400F-AE64-B524D88D304D}" srcId="{ACB1D816-21A5-46E3-9D86-620FB2843241}" destId="{7A913057-F6F2-457A-9056-CE49EAF4FC8F}" srcOrd="4" destOrd="0" parTransId="{1488B376-86F2-41A0-9523-A0CD1A02FE2F}" sibTransId="{F9C381F3-D323-428C-997C-BDE2EB644259}"/>
+    <dgm:cxn modelId="{33441762-1845-40B2-B3AC-73569537A851}" srcId="{ACB1D816-21A5-46E3-9D86-620FB2843241}" destId="{88E5C27A-8CA0-4FBC-AB48-456D10706830}" srcOrd="1" destOrd="0" parTransId="{D6EBFA90-F523-41A4-B0B9-6AB024A0892D}" sibTransId="{94D5D670-3E96-4C68-9A72-6312BA66F657}"/>
     <dgm:cxn modelId="{712FA652-AE73-433B-B01B-27E061684AC8}" srcId="{ACB1D816-21A5-46E3-9D86-620FB2843241}" destId="{58DFB559-3ACE-42AA-83BB-83786FB4D71B}" srcOrd="0" destOrd="0" parTransId="{7E56FE57-B498-4778-B055-11BB5BDD5271}" sibTransId="{793BEF72-DF3B-4EAD-AE33-F3284AEAD610}"/>
     <dgm:cxn modelId="{91233954-B02D-4BF4-9B05-396D5FAF9F72}" srcId="{ACB1D816-21A5-46E3-9D86-620FB2843241}" destId="{D7120C47-C736-44D2-82A9-764967A798EE}" srcOrd="2" destOrd="0" parTransId="{D9CA1534-17F3-4460-9983-6E8939E09134}" sibTransId="{43BC04AC-92E7-4A6A-8AFC-77F58D03128F}"/>
-    <dgm:cxn modelId="{33441762-1845-40B2-B3AC-73569537A851}" srcId="{ACB1D816-21A5-46E3-9D86-620FB2843241}" destId="{88E5C27A-8CA0-4FBC-AB48-456D10706830}" srcOrd="1" destOrd="0" parTransId="{D6EBFA90-F523-41A4-B0B9-6AB024A0892D}" sibTransId="{94D5D670-3E96-4C68-9A72-6312BA66F657}"/>
     <dgm:cxn modelId="{E4C9CBAA-5F50-4122-A1B4-7B0C5F95B9ED}" type="presOf" srcId="{7A913057-F6F2-457A-9056-CE49EAF4FC8F}" destId="{D0801BC1-28C8-49B0-A13C-B0689A4C4AD9}" srcOrd="0" destOrd="0" presId="urn:microsoft.com/office/officeart/2005/8/layout/process4"/>
     <dgm:cxn modelId="{EACDBEBC-062D-41F6-A34B-94172C2C25BA}" srcId="{ACB1D816-21A5-46E3-9D86-620FB2843241}" destId="{477871BB-9544-4E47-A734-E61D691C1B76}" srcOrd="3" destOrd="0" parTransId="{9274A817-0511-4D33-A907-2E228DDAA511}" sibTransId="{B13E171E-3A78-4E58-A86A-E0D178AE4820}"/>
     <dgm:cxn modelId="{C29054C8-AFDE-40C4-AD82-22525CA96D01}" type="presOf" srcId="{58DFB559-3ACE-42AA-83BB-83786FB4D71B}" destId="{81C75086-872E-4E8A-B445-15F865F2B46E}" srcOrd="0" destOrd="0" presId="urn:microsoft.com/office/officeart/2005/8/layout/process4"/>
@@ -6159,9 +6159,9 @@
   <dgm:cxnLst>
     <dgm:cxn modelId="{FC2CB332-88E2-43AF-B873-2DD4A041FC65}" type="presOf" srcId="{477871BB-9544-4E47-A734-E61D691C1B76}" destId="{F4380E4C-9DA9-41F8-9A6B-58B4262A0A20}" srcOrd="0" destOrd="0" presId="urn:microsoft.com/office/officeart/2005/8/layout/process4"/>
     <dgm:cxn modelId="{17674338-E8CF-400F-AE64-B524D88D304D}" srcId="{ACB1D816-21A5-46E3-9D86-620FB2843241}" destId="{7A913057-F6F2-457A-9056-CE49EAF4FC8F}" srcOrd="4" destOrd="0" parTransId="{1488B376-86F2-41A0-9523-A0CD1A02FE2F}" sibTransId="{F9C381F3-D323-428C-997C-BDE2EB644259}"/>
+    <dgm:cxn modelId="{33441762-1845-40B2-B3AC-73569537A851}" srcId="{ACB1D816-21A5-46E3-9D86-620FB2843241}" destId="{88E5C27A-8CA0-4FBC-AB48-456D10706830}" srcOrd="1" destOrd="0" parTransId="{D6EBFA90-F523-41A4-B0B9-6AB024A0892D}" sibTransId="{94D5D670-3E96-4C68-9A72-6312BA66F657}"/>
     <dgm:cxn modelId="{712FA652-AE73-433B-B01B-27E061684AC8}" srcId="{ACB1D816-21A5-46E3-9D86-620FB2843241}" destId="{58DFB559-3ACE-42AA-83BB-83786FB4D71B}" srcOrd="0" destOrd="0" parTransId="{7E56FE57-B498-4778-B055-11BB5BDD5271}" sibTransId="{793BEF72-DF3B-4EAD-AE33-F3284AEAD610}"/>
     <dgm:cxn modelId="{91233954-B02D-4BF4-9B05-396D5FAF9F72}" srcId="{ACB1D816-21A5-46E3-9D86-620FB2843241}" destId="{D7120C47-C736-44D2-82A9-764967A798EE}" srcOrd="2" destOrd="0" parTransId="{D9CA1534-17F3-4460-9983-6E8939E09134}" sibTransId="{43BC04AC-92E7-4A6A-8AFC-77F58D03128F}"/>
-    <dgm:cxn modelId="{33441762-1845-40B2-B3AC-73569537A851}" srcId="{ACB1D816-21A5-46E3-9D86-620FB2843241}" destId="{88E5C27A-8CA0-4FBC-AB48-456D10706830}" srcOrd="1" destOrd="0" parTransId="{D6EBFA90-F523-41A4-B0B9-6AB024A0892D}" sibTransId="{94D5D670-3E96-4C68-9A72-6312BA66F657}"/>
     <dgm:cxn modelId="{E4C9CBAA-5F50-4122-A1B4-7B0C5F95B9ED}" type="presOf" srcId="{7A913057-F6F2-457A-9056-CE49EAF4FC8F}" destId="{D0801BC1-28C8-49B0-A13C-B0689A4C4AD9}" srcOrd="0" destOrd="0" presId="urn:microsoft.com/office/officeart/2005/8/layout/process4"/>
     <dgm:cxn modelId="{EACDBEBC-062D-41F6-A34B-94172C2C25BA}" srcId="{ACB1D816-21A5-46E3-9D86-620FB2843241}" destId="{477871BB-9544-4E47-A734-E61D691C1B76}" srcOrd="3" destOrd="0" parTransId="{9274A817-0511-4D33-A907-2E228DDAA511}" sibTransId="{B13E171E-3A78-4E58-A86A-E0D178AE4820}"/>
     <dgm:cxn modelId="{C29054C8-AFDE-40C4-AD82-22525CA96D01}" type="presOf" srcId="{58DFB559-3ACE-42AA-83BB-83786FB4D71B}" destId="{81C75086-872E-4E8A-B445-15F865F2B46E}" srcOrd="0" destOrd="0" presId="urn:microsoft.com/office/officeart/2005/8/layout/process4"/>
@@ -6466,9 +6466,9 @@
   </dgm:ptLst>
   <dgm:cxnLst>
     <dgm:cxn modelId="{4F3DC811-331E-4344-A110-0921CC504148}" type="presOf" srcId="{61DCB128-6FFF-43ED-93F7-B4B7332258B7}" destId="{5F967BA2-AFB5-46B9-AEE2-311C88767338}" srcOrd="0" destOrd="0" presId="urn:microsoft.com/office/officeart/2005/8/layout/process4"/>
+    <dgm:cxn modelId="{33441762-1845-40B2-B3AC-73569537A851}" srcId="{ACB1D816-21A5-46E3-9D86-620FB2843241}" destId="{88E5C27A-8CA0-4FBC-AB48-456D10706830}" srcOrd="1" destOrd="0" parTransId="{D6EBFA90-F523-41A4-B0B9-6AB024A0892D}" sibTransId="{94D5D670-3E96-4C68-9A72-6312BA66F657}"/>
     <dgm:cxn modelId="{712FA652-AE73-433B-B01B-27E061684AC8}" srcId="{ACB1D816-21A5-46E3-9D86-620FB2843241}" destId="{58DFB559-3ACE-42AA-83BB-83786FB4D71B}" srcOrd="0" destOrd="0" parTransId="{7E56FE57-B498-4778-B055-11BB5BDD5271}" sibTransId="{793BEF72-DF3B-4EAD-AE33-F3284AEAD610}"/>
     <dgm:cxn modelId="{91233954-B02D-4BF4-9B05-396D5FAF9F72}" srcId="{ACB1D816-21A5-46E3-9D86-620FB2843241}" destId="{D7120C47-C736-44D2-82A9-764967A798EE}" srcOrd="2" destOrd="0" parTransId="{D9CA1534-17F3-4460-9983-6E8939E09134}" sibTransId="{43BC04AC-92E7-4A6A-8AFC-77F58D03128F}"/>
-    <dgm:cxn modelId="{33441762-1845-40B2-B3AC-73569537A851}" srcId="{ACB1D816-21A5-46E3-9D86-620FB2843241}" destId="{88E5C27A-8CA0-4FBC-AB48-456D10706830}" srcOrd="1" destOrd="0" parTransId="{D6EBFA90-F523-41A4-B0B9-6AB024A0892D}" sibTransId="{94D5D670-3E96-4C68-9A72-6312BA66F657}"/>
     <dgm:cxn modelId="{83711F9E-8B4F-43EF-BB64-EB17A7BAD954}" srcId="{ACB1D816-21A5-46E3-9D86-620FB2843241}" destId="{61DCB128-6FFF-43ED-93F7-B4B7332258B7}" srcOrd="4" destOrd="0" parTransId="{63BF8B2E-47A0-4167-B7A9-96786BA09F1F}" sibTransId="{7073F0FC-F79E-4EE8-8D29-CC75DE75C02E}"/>
     <dgm:cxn modelId="{EACDBEBC-062D-41F6-A34B-94172C2C25BA}" srcId="{ACB1D816-21A5-46E3-9D86-620FB2843241}" destId="{477871BB-9544-4E47-A734-E61D691C1B76}" srcOrd="3" destOrd="0" parTransId="{9274A817-0511-4D33-A907-2E228DDAA511}" sibTransId="{B13E171E-3A78-4E58-A86A-E0D178AE4820}"/>
     <dgm:cxn modelId="{C29054C8-AFDE-40C4-AD82-22525CA96D01}" type="presOf" srcId="{58DFB559-3ACE-42AA-83BB-83786FB4D71B}" destId="{81C75086-872E-4E8A-B445-15F865F2B46E}" srcOrd="0" destOrd="0" presId="urn:microsoft.com/office/officeart/2005/8/layout/process4"/>
@@ -17292,7 +17292,7 @@
           <a:p>
             <a:fld id="{C34CE1C7-AB57-4E47-B0F5-E8BB4CB6614A}" type="datetimeFigureOut">
               <a:rPr kumimoji="1" lang="zh-TW" altLang="en-US" smtClean="0"/>
-              <a:t>2019/9/24</a:t>
+              <a:t>2020/3/11</a:t>
             </a:fld>
             <a:endParaRPr kumimoji="1" lang="zh-TW" altLang="en-US"/>
           </a:p>
@@ -19222,7 +19222,7 @@
           <a:p>
             <a:fld id="{73F99C50-D6BB-DD44-98D6-7975662BA23B}" type="datetimeFigureOut">
               <a:rPr kumimoji="1" lang="zh-TW" altLang="en-US" smtClean="0"/>
-              <a:t>2019/9/24</a:t>
+              <a:t>2020/3/11</a:t>
             </a:fld>
             <a:endParaRPr kumimoji="1" lang="zh-TW" altLang="en-US"/>
           </a:p>
@@ -19395,7 +19395,7 @@
           <a:p>
             <a:fld id="{73F99C50-D6BB-DD44-98D6-7975662BA23B}" type="datetimeFigureOut">
               <a:rPr kumimoji="1" lang="zh-TW" altLang="en-US" smtClean="0"/>
-              <a:t>2019/9/24</a:t>
+              <a:t>2020/3/11</a:t>
             </a:fld>
             <a:endParaRPr kumimoji="1" lang="zh-TW" altLang="en-US"/>
           </a:p>
@@ -19578,7 +19578,7 @@
           <a:p>
             <a:fld id="{73F99C50-D6BB-DD44-98D6-7975662BA23B}" type="datetimeFigureOut">
               <a:rPr kumimoji="1" lang="zh-TW" altLang="en-US" smtClean="0"/>
-              <a:t>2019/9/24</a:t>
+              <a:t>2020/3/11</a:t>
             </a:fld>
             <a:endParaRPr kumimoji="1" lang="zh-TW" altLang="en-US"/>
           </a:p>
@@ -19751,7 +19751,7 @@
           <a:p>
             <a:fld id="{73F99C50-D6BB-DD44-98D6-7975662BA23B}" type="datetimeFigureOut">
               <a:rPr kumimoji="1" lang="zh-TW" altLang="en-US" smtClean="0"/>
-              <a:t>2019/9/24</a:t>
+              <a:t>2020/3/11</a:t>
             </a:fld>
             <a:endParaRPr kumimoji="1" lang="zh-TW" altLang="en-US"/>
           </a:p>
@@ -20029,7 +20029,7 @@
           <a:p>
             <a:fld id="{73F99C50-D6BB-DD44-98D6-7975662BA23B}" type="datetimeFigureOut">
               <a:rPr kumimoji="1" lang="zh-TW" altLang="en-US" smtClean="0"/>
-              <a:t>2019/9/24</a:t>
+              <a:t>2020/3/11</a:t>
             </a:fld>
             <a:endParaRPr kumimoji="1" lang="zh-TW" altLang="en-US"/>
           </a:p>
@@ -20244,7 +20244,7 @@
           <a:p>
             <a:fld id="{73F99C50-D6BB-DD44-98D6-7975662BA23B}" type="datetimeFigureOut">
               <a:rPr kumimoji="1" lang="zh-TW" altLang="en-US" smtClean="0"/>
-              <a:t>2019/9/24</a:t>
+              <a:t>2020/3/11</a:t>
             </a:fld>
             <a:endParaRPr kumimoji="1" lang="zh-TW" altLang="en-US"/>
           </a:p>
@@ -20612,7 +20612,7 @@
           <a:p>
             <a:fld id="{73F99C50-D6BB-DD44-98D6-7975662BA23B}" type="datetimeFigureOut">
               <a:rPr kumimoji="1" lang="zh-TW" altLang="en-US" smtClean="0"/>
-              <a:t>2019/9/24</a:t>
+              <a:t>2020/3/11</a:t>
             </a:fld>
             <a:endParaRPr kumimoji="1" lang="zh-TW" altLang="en-US"/>
           </a:p>
@@ -20753,7 +20753,7 @@
           <a:p>
             <a:fld id="{73F99C50-D6BB-DD44-98D6-7975662BA23B}" type="datetimeFigureOut">
               <a:rPr kumimoji="1" lang="zh-TW" altLang="en-US" smtClean="0"/>
-              <a:t>2019/9/24</a:t>
+              <a:t>2020/3/11</a:t>
             </a:fld>
             <a:endParaRPr kumimoji="1" lang="zh-TW" altLang="en-US"/>
           </a:p>
@@ -20866,7 +20866,7 @@
           <a:p>
             <a:fld id="{73F99C50-D6BB-DD44-98D6-7975662BA23B}" type="datetimeFigureOut">
               <a:rPr kumimoji="1" lang="zh-TW" altLang="en-US" smtClean="0"/>
-              <a:t>2019/9/24</a:t>
+              <a:t>2020/3/11</a:t>
             </a:fld>
             <a:endParaRPr kumimoji="1" lang="zh-TW" altLang="en-US"/>
           </a:p>
@@ -21155,7 +21155,7 @@
           <a:p>
             <a:fld id="{73F99C50-D6BB-DD44-98D6-7975662BA23B}" type="datetimeFigureOut">
               <a:rPr kumimoji="1" lang="zh-TW" altLang="en-US" smtClean="0"/>
-              <a:t>2019/9/24</a:t>
+              <a:t>2020/3/11</a:t>
             </a:fld>
             <a:endParaRPr kumimoji="1" lang="zh-TW" altLang="en-US"/>
           </a:p>
@@ -21446,7 +21446,7 @@
           <a:p>
             <a:fld id="{73F99C50-D6BB-DD44-98D6-7975662BA23B}" type="datetimeFigureOut">
               <a:rPr kumimoji="1" lang="zh-TW" altLang="en-US" smtClean="0"/>
-              <a:t>2019/9/24</a:t>
+              <a:t>2020/3/11</a:t>
             </a:fld>
             <a:endParaRPr kumimoji="1" lang="zh-TW" altLang="en-US"/>
           </a:p>
@@ -21662,7 +21662,7 @@
           <a:p>
             <a:fld id="{73F99C50-D6BB-DD44-98D6-7975662BA23B}" type="datetimeFigureOut">
               <a:rPr kumimoji="1" lang="zh-TW" altLang="en-US" smtClean="0"/>
-              <a:t>2019/9/24</a:t>
+              <a:t>2020/3/11</a:t>
             </a:fld>
             <a:endParaRPr kumimoji="1" lang="zh-TW" altLang="en-US"/>
           </a:p>
@@ -23301,9 +23301,7 @@
         <p:nvGraphicFramePr>
           <p:cNvPr id="4" name="Diagram 3"/>
           <p:cNvGraphicFramePr/>
-          <p:nvPr>
-            <p:extLst/>
-          </p:nvPr>
+          <p:nvPr/>
         </p:nvGraphicFramePr>
         <p:xfrm>
           <a:off x="3890357" y="1773926"/>
@@ -25046,9 +25044,7 @@
         <p:nvGraphicFramePr>
           <p:cNvPr id="4" name="Diagram 3"/>
           <p:cNvGraphicFramePr/>
-          <p:nvPr>
-            <p:extLst/>
-          </p:nvPr>
+          <p:nvPr/>
         </p:nvGraphicFramePr>
         <p:xfrm>
           <a:off x="3890357" y="1773926"/>
@@ -26483,9 +26479,7 @@
         <p:nvGraphicFramePr>
           <p:cNvPr id="4" name="Diagram 3"/>
           <p:cNvGraphicFramePr/>
-          <p:nvPr>
-            <p:extLst/>
-          </p:nvPr>
+          <p:nvPr/>
         </p:nvGraphicFramePr>
         <p:xfrm>
           <a:off x="3890357" y="1773926"/>
@@ -33045,9 +33039,7 @@
         <p:nvGraphicFramePr>
           <p:cNvPr id="4" name="Diagram 3"/>
           <p:cNvGraphicFramePr/>
-          <p:nvPr>
-            <p:extLst/>
-          </p:nvPr>
+          <p:nvPr/>
         </p:nvGraphicFramePr>
         <p:xfrm>
           <a:off x="3890357" y="1773926"/>
@@ -36537,10 +36529,10 @@
       </p:grpSpPr>
       <p:grpSp>
         <p:nvGrpSpPr>
-          <p:cNvPr id="44" name="群組 43">
+          <p:cNvPr id="4" name="Group 3">
             <a:extLst>
               <a:ext uri="{FF2B5EF4-FFF2-40B4-BE49-F238E27FC236}">
-                <a16:creationId xmlns:a16="http://schemas.microsoft.com/office/drawing/2014/main" id="{8B56271E-0134-DD43-9BA3-88C48F40C473}"/>
+                <a16:creationId xmlns:a16="http://schemas.microsoft.com/office/drawing/2014/main" id="{7969FE1E-2130-4271-A77F-CAE75C8A6664}"/>
               </a:ext>
             </a:extLst>
           </p:cNvPr>
@@ -36551,16 +36543,16 @@
           <a:xfrm>
             <a:off x="217716" y="250371"/>
             <a:ext cx="8719456" cy="6400800"/>
-            <a:chOff x="3145971" y="859971"/>
-            <a:chExt cx="7239000" cy="5159827"/>
+            <a:chOff x="217716" y="250371"/>
+            <a:chExt cx="8719456" cy="6400800"/>
           </a:xfrm>
         </p:grpSpPr>
         <p:grpSp>
           <p:nvGrpSpPr>
-            <p:cNvPr id="41" name="群組 40">
+            <p:cNvPr id="44" name="群組 43">
               <a:extLst>
                 <a:ext uri="{FF2B5EF4-FFF2-40B4-BE49-F238E27FC236}">
-                  <a16:creationId xmlns:a16="http://schemas.microsoft.com/office/drawing/2014/main" id="{7CD27707-320D-CF49-9C63-82D1937F501D}"/>
+                  <a16:creationId xmlns:a16="http://schemas.microsoft.com/office/drawing/2014/main" id="{8B56271E-0134-DD43-9BA3-88C48F40C473}"/>
                 </a:ext>
               </a:extLst>
             </p:cNvPr>
@@ -36569,18 +36561,18 @@
           </p:nvGrpSpPr>
           <p:grpSpPr>
             <a:xfrm>
-              <a:off x="3145971" y="859971"/>
-              <a:ext cx="7239000" cy="5159827"/>
+              <a:off x="217716" y="250371"/>
+              <a:ext cx="8719456" cy="6400800"/>
               <a:chOff x="3145971" y="859971"/>
               <a:chExt cx="7239000" cy="5159827"/>
             </a:xfrm>
           </p:grpSpPr>
           <p:grpSp>
             <p:nvGrpSpPr>
-              <p:cNvPr id="7" name="群組 6">
+              <p:cNvPr id="41" name="群組 40">
                 <a:extLst>
                   <a:ext uri="{FF2B5EF4-FFF2-40B4-BE49-F238E27FC236}">
-                    <a16:creationId xmlns:a16="http://schemas.microsoft.com/office/drawing/2014/main" id="{46E0B445-8B20-5B41-A740-8289361E0A07}"/>
+                    <a16:creationId xmlns:a16="http://schemas.microsoft.com/office/drawing/2014/main" id="{7CD27707-320D-CF49-9C63-82D1937F501D}"/>
                   </a:ext>
                 </a:extLst>
               </p:cNvPr>
@@ -36591,16 +36583,193 @@
               <a:xfrm>
                 <a:off x="3145971" y="859971"/>
                 <a:ext cx="7239000" cy="5159827"/>
-                <a:chOff x="3524772" y="2242456"/>
-                <a:chExt cx="6581843" cy="4615543"/>
+                <a:chOff x="3145971" y="859971"/>
+                <a:chExt cx="7239000" cy="5159827"/>
               </a:xfrm>
             </p:grpSpPr>
+            <p:grpSp>
+              <p:nvGrpSpPr>
+                <p:cNvPr id="7" name="群組 6">
+                  <a:extLst>
+                    <a:ext uri="{FF2B5EF4-FFF2-40B4-BE49-F238E27FC236}">
+                      <a16:creationId xmlns:a16="http://schemas.microsoft.com/office/drawing/2014/main" id="{46E0B445-8B20-5B41-A740-8289361E0A07}"/>
+                    </a:ext>
+                  </a:extLst>
+                </p:cNvPr>
+                <p:cNvGrpSpPr/>
+                <p:nvPr/>
+              </p:nvGrpSpPr>
+              <p:grpSpPr>
+                <a:xfrm>
+                  <a:off x="3145971" y="859971"/>
+                  <a:ext cx="7239000" cy="5159827"/>
+                  <a:chOff x="3524772" y="2242456"/>
+                  <a:chExt cx="6581843" cy="4615543"/>
+                </a:xfrm>
+              </p:grpSpPr>
+              <p:pic>
+                <p:nvPicPr>
+                  <p:cNvPr id="5" name="圖片 4">
+                    <a:extLst>
+                      <a:ext uri="{FF2B5EF4-FFF2-40B4-BE49-F238E27FC236}">
+                        <a16:creationId xmlns:a16="http://schemas.microsoft.com/office/drawing/2014/main" id="{BCCFB49B-2662-9646-AB86-3AE10AA454C7}"/>
+                      </a:ext>
+                    </a:extLst>
+                  </p:cNvPr>
+                  <p:cNvPicPr>
+                    <a:picLocks noChangeAspect="1"/>
+                  </p:cNvPicPr>
+                  <p:nvPr/>
+                </p:nvPicPr>
+                <p:blipFill rotWithShape="1">
+                  <a:blip r:embed="rId2"/>
+                  <a:srcRect l="17945" t="32698"/>
+                  <a:stretch/>
+                </p:blipFill>
+                <p:spPr>
+                  <a:xfrm>
+                    <a:off x="3524772" y="2242456"/>
+                    <a:ext cx="6581843" cy="4615543"/>
+                  </a:xfrm>
+                  <a:prstGeom prst="rect">
+                    <a:avLst/>
+                  </a:prstGeom>
+                </p:spPr>
+              </p:pic>
+              <p:sp>
+                <p:nvSpPr>
+                  <p:cNvPr id="14" name="文字方塊 13">
+                    <a:extLst>
+                      <a:ext uri="{FF2B5EF4-FFF2-40B4-BE49-F238E27FC236}">
+                        <a16:creationId xmlns:a16="http://schemas.microsoft.com/office/drawing/2014/main" id="{7C498FC1-7579-7F48-AB47-F68D7B45CDA2}"/>
+                      </a:ext>
+                    </a:extLst>
+                  </p:cNvPr>
+                  <p:cNvSpPr txBox="1"/>
+                  <p:nvPr/>
+                </p:nvSpPr>
+                <p:spPr>
+                  <a:xfrm>
+                    <a:off x="3980162" y="3189162"/>
+                    <a:ext cx="1190552" cy="430887"/>
+                  </a:xfrm>
+                  <a:prstGeom prst="rect">
+                    <a:avLst/>
+                  </a:prstGeom>
+                  <a:solidFill>
+                    <a:schemeClr val="tx1"/>
+                  </a:solidFill>
+                </p:spPr>
+                <p:txBody>
+                  <a:bodyPr wrap="square" rtlCol="0">
+                    <a:spAutoFit/>
+                  </a:bodyPr>
+                  <a:lstStyle/>
+                  <a:p>
+                    <a:pPr>
+                      <a:tabLst>
+                        <a:tab pos="487363" algn="l"/>
+                      </a:tabLst>
+                    </a:pPr>
+                    <a:r>
+                      <a:rPr kumimoji="1" lang="zh-CN" altLang="en-US" sz="2200" dirty="0">
+                        <a:solidFill>
+                          <a:srgbClr val="FF3AA6"/>
+                        </a:solidFill>
+                      </a:rPr>
+                      <a:t>小明</a:t>
+                    </a:r>
+                    <a:r>
+                      <a:rPr kumimoji="1" lang="en-US" altLang="zh-CN" sz="2200" dirty="0">
+                        <a:solidFill>
+                          <a:srgbClr val="FF3AA6"/>
+                        </a:solidFill>
+                      </a:rPr>
+                      <a:t>: 23</a:t>
+                    </a:r>
+                    <a:endParaRPr kumimoji="1" lang="zh-TW" altLang="en-US" sz="2200" dirty="0">
+                      <a:solidFill>
+                        <a:srgbClr val="FF3AA6"/>
+                      </a:solidFill>
+                    </a:endParaRPr>
+                  </a:p>
+                </p:txBody>
+              </p:sp>
+              <p:sp>
+                <p:nvSpPr>
+                  <p:cNvPr id="18" name="文字方塊 17">
+                    <a:extLst>
+                      <a:ext uri="{FF2B5EF4-FFF2-40B4-BE49-F238E27FC236}">
+                        <a16:creationId xmlns:a16="http://schemas.microsoft.com/office/drawing/2014/main" id="{EFF2BBB2-2E5B-2844-B10A-6388B73A70B4}"/>
+                      </a:ext>
+                    </a:extLst>
+                  </p:cNvPr>
+                  <p:cNvSpPr txBox="1"/>
+                  <p:nvPr/>
+                </p:nvSpPr>
+                <p:spPr>
+                  <a:xfrm>
+                    <a:off x="3969276" y="4723648"/>
+                    <a:ext cx="1201438" cy="430887"/>
+                  </a:xfrm>
+                  <a:prstGeom prst="rect">
+                    <a:avLst/>
+                  </a:prstGeom>
+                  <a:solidFill>
+                    <a:schemeClr val="tx1"/>
+                  </a:solidFill>
+                </p:spPr>
+                <p:txBody>
+                  <a:bodyPr wrap="square" rtlCol="0">
+                    <a:spAutoFit/>
+                  </a:bodyPr>
+                  <a:lstStyle/>
+                  <a:p>
+                    <a:pPr>
+                      <a:tabLst>
+                        <a:tab pos="487363" algn="l"/>
+                      </a:tabLst>
+                    </a:pPr>
+                    <a:r>
+                      <a:rPr kumimoji="1" lang="zh-CN" altLang="en-US" sz="2200" dirty="0">
+                        <a:solidFill>
+                          <a:schemeClr val="accent6">
+                            <a:lumMod val="60000"/>
+                            <a:lumOff val="40000"/>
+                          </a:schemeClr>
+                        </a:solidFill>
+                      </a:rPr>
+                      <a:t>小樹</a:t>
+                    </a:r>
+                    <a:r>
+                      <a:rPr kumimoji="1" lang="en-US" altLang="zh-CN" sz="2200" dirty="0">
+                        <a:solidFill>
+                          <a:schemeClr val="accent6">
+                            <a:lumMod val="60000"/>
+                            <a:lumOff val="40000"/>
+                          </a:schemeClr>
+                        </a:solidFill>
+                      </a:rPr>
+                      <a:t>: 18</a:t>
+                    </a:r>
+                    <a:endParaRPr kumimoji="1" lang="zh-TW" altLang="en-US" sz="2200" dirty="0">
+                      <a:solidFill>
+                        <a:schemeClr val="accent6">
+                          <a:lumMod val="60000"/>
+                          <a:lumOff val="40000"/>
+                        </a:schemeClr>
+                      </a:solidFill>
+                    </a:endParaRPr>
+                  </a:p>
+                </p:txBody>
+              </p:sp>
+            </p:grpSp>
             <p:pic>
               <p:nvPicPr>
-                <p:cNvPr id="5" name="圖片 4">
+                <p:cNvPr id="23" name="圖片 22">
                   <a:extLst>
                     <a:ext uri="{FF2B5EF4-FFF2-40B4-BE49-F238E27FC236}">
-                      <a16:creationId xmlns:a16="http://schemas.microsoft.com/office/drawing/2014/main" id="{BCCFB49B-2662-9646-AB86-3AE10AA454C7}"/>
+                      <a16:creationId xmlns:a16="http://schemas.microsoft.com/office/drawing/2014/main" id="{E8B12BD8-0C54-C245-B299-FD94AFDA6C82}"/>
                     </a:ext>
                   </a:extLst>
                 </p:cNvPr>
@@ -36609,559 +36778,715 @@
                 </p:cNvPicPr>
                 <p:nvPr/>
               </p:nvPicPr>
-              <p:blipFill rotWithShape="1">
-                <a:blip r:embed="rId2"/>
-                <a:srcRect l="17945" t="32698"/>
-                <a:stretch/>
+              <p:blipFill>
+                <a:blip r:embed="rId3"/>
+                <a:stretch>
+                  <a:fillRect/>
+                </a:stretch>
               </p:blipFill>
               <p:spPr>
                 <a:xfrm>
-                  <a:off x="3524772" y="2242456"/>
-                  <a:ext cx="6581843" cy="4615543"/>
+                  <a:off x="7317368" y="3191179"/>
+                  <a:ext cx="324000" cy="334125"/>
                 </a:xfrm>
                 <a:prstGeom prst="rect">
                   <a:avLst/>
                 </a:prstGeom>
               </p:spPr>
             </p:pic>
-            <p:sp>
-              <p:nvSpPr>
-                <p:cNvPr id="14" name="文字方塊 13">
+            <p:pic>
+              <p:nvPicPr>
+                <p:cNvPr id="25" name="圖片 24">
                   <a:extLst>
                     <a:ext uri="{FF2B5EF4-FFF2-40B4-BE49-F238E27FC236}">
-                      <a16:creationId xmlns:a16="http://schemas.microsoft.com/office/drawing/2014/main" id="{7C498FC1-7579-7F48-AB47-F68D7B45CDA2}"/>
+                      <a16:creationId xmlns:a16="http://schemas.microsoft.com/office/drawing/2014/main" id="{F7D7B318-DCEF-A243-BC24-E838A56F3734}"/>
                     </a:ext>
                   </a:extLst>
                 </p:cNvPr>
-                <p:cNvSpPr txBox="1"/>
+                <p:cNvPicPr>
+                  <a:picLocks noChangeAspect="1"/>
+                </p:cNvPicPr>
                 <p:nvPr/>
-              </p:nvSpPr>
+              </p:nvPicPr>
+              <p:blipFill>
+                <a:blip r:embed="rId4"/>
+                <a:stretch>
+                  <a:fillRect/>
+                </a:stretch>
+              </p:blipFill>
               <p:spPr>
                 <a:xfrm>
-                  <a:off x="3980162" y="3189162"/>
-                  <a:ext cx="1190552" cy="430887"/>
+                  <a:off x="7641368" y="1490438"/>
+                  <a:ext cx="324000" cy="313875"/>
                 </a:xfrm>
                 <a:prstGeom prst="rect">
                   <a:avLst/>
                 </a:prstGeom>
-                <a:solidFill>
-                  <a:schemeClr val="tx1"/>
-                </a:solidFill>
               </p:spPr>
-              <p:txBody>
-                <a:bodyPr wrap="square" rtlCol="0">
-                  <a:spAutoFit/>
-                </a:bodyPr>
-                <a:lstStyle/>
-                <a:p>
-                  <a:pPr>
-                    <a:tabLst>
-                      <a:tab pos="487363" algn="l"/>
-                    </a:tabLst>
-                  </a:pPr>
-                  <a:r>
-                    <a:rPr kumimoji="1" lang="zh-CN" altLang="en-US" sz="2200" dirty="0">
-                      <a:solidFill>
-                        <a:srgbClr val="FF3AA6"/>
-                      </a:solidFill>
-                    </a:rPr>
-                    <a:t>小明</a:t>
-                  </a:r>
-                  <a:r>
-                    <a:rPr kumimoji="1" lang="en-US" altLang="zh-CN" sz="2200" dirty="0">
-                      <a:solidFill>
-                        <a:srgbClr val="FF3AA6"/>
-                      </a:solidFill>
-                    </a:rPr>
-                    <a:t>: 23</a:t>
-                  </a:r>
-                  <a:endParaRPr kumimoji="1" lang="zh-TW" altLang="en-US" sz="2200" dirty="0">
-                    <a:solidFill>
-                      <a:srgbClr val="FF3AA6"/>
-                    </a:solidFill>
-                  </a:endParaRPr>
-                </a:p>
-              </p:txBody>
-            </p:sp>
-            <p:sp>
-              <p:nvSpPr>
-                <p:cNvPr id="16" name="文字方塊 15">
+            </p:pic>
+            <p:pic>
+              <p:nvPicPr>
+                <p:cNvPr id="30" name="圖片 29">
                   <a:extLst>
                     <a:ext uri="{FF2B5EF4-FFF2-40B4-BE49-F238E27FC236}">
-                      <a16:creationId xmlns:a16="http://schemas.microsoft.com/office/drawing/2014/main" id="{C239229E-71E6-8144-B932-8991C2C8A58C}"/>
+                      <a16:creationId xmlns:a16="http://schemas.microsoft.com/office/drawing/2014/main" id="{A430F302-6FA0-844A-BC79-37B258E1E00D}"/>
                     </a:ext>
                   </a:extLst>
                 </p:cNvPr>
-                <p:cNvSpPr txBox="1"/>
+                <p:cNvPicPr>
+                  <a:picLocks noChangeAspect="1"/>
+                </p:cNvPicPr>
                 <p:nvPr/>
-              </p:nvSpPr>
+              </p:nvPicPr>
+              <p:blipFill>
+                <a:blip r:embed="rId4"/>
+                <a:stretch>
+                  <a:fillRect/>
+                </a:stretch>
+              </p:blipFill>
               <p:spPr>
                 <a:xfrm>
-                  <a:off x="3969276" y="3670851"/>
-                  <a:ext cx="1277638" cy="430887"/>
+                  <a:off x="5649920" y="2853405"/>
+                  <a:ext cx="324000" cy="313875"/>
                 </a:xfrm>
                 <a:prstGeom prst="rect">
                   <a:avLst/>
                 </a:prstGeom>
-                <a:solidFill>
-                  <a:schemeClr val="tx1"/>
-                </a:solidFill>
               </p:spPr>
-              <p:txBody>
-                <a:bodyPr wrap="square" rtlCol="0">
-                  <a:spAutoFit/>
-                </a:bodyPr>
-                <a:lstStyle/>
-                <a:p>
-                  <a:pPr>
-                    <a:tabLst>
-                      <a:tab pos="487363" algn="l"/>
-                    </a:tabLst>
-                  </a:pPr>
-                  <a:r>
-                    <a:rPr kumimoji="1" lang="zh-CN" altLang="en-US" sz="2200" dirty="0">
-                      <a:solidFill>
-                        <a:schemeClr val="accent4">
-                          <a:lumMod val="60000"/>
-                          <a:lumOff val="40000"/>
-                        </a:schemeClr>
-                      </a:solidFill>
-                    </a:rPr>
-                    <a:t>小美</a:t>
-                  </a:r>
-                  <a:r>
-                    <a:rPr kumimoji="1" lang="en-US" altLang="zh-CN" sz="2200" dirty="0">
-                      <a:solidFill>
-                        <a:schemeClr val="accent4">
-                          <a:lumMod val="60000"/>
-                          <a:lumOff val="40000"/>
-                        </a:schemeClr>
-                      </a:solidFill>
-                    </a:rPr>
-                    <a:t>: 26</a:t>
-                  </a:r>
-                  <a:endParaRPr kumimoji="1" lang="zh-TW" altLang="en-US" sz="2200" dirty="0">
-                    <a:solidFill>
-                      <a:schemeClr val="accent4">
-                        <a:lumMod val="60000"/>
-                        <a:lumOff val="40000"/>
-                      </a:schemeClr>
-                    </a:solidFill>
-                  </a:endParaRPr>
-                </a:p>
-              </p:txBody>
-            </p:sp>
-            <p:sp>
-              <p:nvSpPr>
-                <p:cNvPr id="17" name="文字方塊 16">
+            </p:pic>
+            <p:pic>
+              <p:nvPicPr>
+                <p:cNvPr id="31" name="圖片 30">
                   <a:extLst>
                     <a:ext uri="{FF2B5EF4-FFF2-40B4-BE49-F238E27FC236}">
-                      <a16:creationId xmlns:a16="http://schemas.microsoft.com/office/drawing/2014/main" id="{CA2D3485-F9C7-924F-B171-8CDE7714A838}"/>
+                      <a16:creationId xmlns:a16="http://schemas.microsoft.com/office/drawing/2014/main" id="{13F00B00-370D-B844-A19E-12D6EC08025B}"/>
                     </a:ext>
                   </a:extLst>
                 </p:cNvPr>
-                <p:cNvSpPr txBox="1"/>
+                <p:cNvPicPr>
+                  <a:picLocks noChangeAspect="1"/>
+                </p:cNvPicPr>
                 <p:nvPr/>
-              </p:nvSpPr>
+              </p:nvPicPr>
+              <p:blipFill>
+                <a:blip r:embed="rId4"/>
+                <a:stretch>
+                  <a:fillRect/>
+                </a:stretch>
+              </p:blipFill>
               <p:spPr>
                 <a:xfrm>
-                  <a:off x="3980162" y="4165996"/>
-                  <a:ext cx="1190552" cy="430887"/>
+                  <a:off x="6984330" y="3874603"/>
+                  <a:ext cx="328764" cy="318491"/>
                 </a:xfrm>
                 <a:prstGeom prst="rect">
                   <a:avLst/>
                 </a:prstGeom>
-                <a:solidFill>
-                  <a:schemeClr val="tx1"/>
-                </a:solidFill>
               </p:spPr>
-              <p:txBody>
-                <a:bodyPr wrap="square" rtlCol="0">
-                  <a:spAutoFit/>
-                </a:bodyPr>
-                <a:lstStyle/>
-                <a:p>
-                  <a:pPr>
-                    <a:tabLst>
-                      <a:tab pos="487363" algn="l"/>
-                    </a:tabLst>
-                  </a:pPr>
-                  <a:r>
-                    <a:rPr kumimoji="1" lang="zh-CN" altLang="en-US" sz="2200" dirty="0">
-                      <a:solidFill>
-                        <a:schemeClr val="accent2">
-                          <a:lumMod val="75000"/>
-                        </a:schemeClr>
-                      </a:solidFill>
-                    </a:rPr>
-                    <a:t>小熊</a:t>
-                  </a:r>
-                  <a:r>
-                    <a:rPr kumimoji="1" lang="en-US" altLang="zh-CN" sz="2200" dirty="0">
-                      <a:solidFill>
-                        <a:schemeClr val="accent2">
-                          <a:lumMod val="75000"/>
-                        </a:schemeClr>
-                      </a:solidFill>
-                    </a:rPr>
-                    <a:t>: 18</a:t>
-                  </a:r>
-                  <a:endParaRPr kumimoji="1" lang="zh-TW" altLang="en-US" sz="2200" dirty="0">
-                    <a:solidFill>
-                      <a:schemeClr val="accent2">
-                        <a:lumMod val="75000"/>
-                      </a:schemeClr>
-                    </a:solidFill>
-                  </a:endParaRPr>
-                </a:p>
-              </p:txBody>
-            </p:sp>
-            <p:sp>
-              <p:nvSpPr>
-                <p:cNvPr id="18" name="文字方塊 17">
+            </p:pic>
+            <p:pic>
+              <p:nvPicPr>
+                <p:cNvPr id="32" name="圖片 31">
                   <a:extLst>
                     <a:ext uri="{FF2B5EF4-FFF2-40B4-BE49-F238E27FC236}">
-                      <a16:creationId xmlns:a16="http://schemas.microsoft.com/office/drawing/2014/main" id="{EFF2BBB2-2E5B-2844-B10A-6388B73A70B4}"/>
+                      <a16:creationId xmlns:a16="http://schemas.microsoft.com/office/drawing/2014/main" id="{907C7036-CE69-9340-8000-E979659AF9A8}"/>
                     </a:ext>
                   </a:extLst>
                 </p:cNvPr>
-                <p:cNvSpPr txBox="1"/>
+                <p:cNvPicPr>
+                  <a:picLocks noChangeAspect="1"/>
+                </p:cNvPicPr>
                 <p:nvPr/>
-              </p:nvSpPr>
+              </p:nvPicPr>
+              <p:blipFill>
+                <a:blip r:embed="rId4"/>
+                <a:stretch>
+                  <a:fillRect/>
+                </a:stretch>
+              </p:blipFill>
               <p:spPr>
                 <a:xfrm>
-                  <a:off x="3969276" y="4723648"/>
-                  <a:ext cx="1201438" cy="430887"/>
+                  <a:off x="8958539" y="4549324"/>
+                  <a:ext cx="324000" cy="313875"/>
                 </a:xfrm>
                 <a:prstGeom prst="rect">
                   <a:avLst/>
                 </a:prstGeom>
-                <a:solidFill>
-                  <a:schemeClr val="tx1"/>
-                </a:solidFill>
               </p:spPr>
-              <p:txBody>
-                <a:bodyPr wrap="square" rtlCol="0">
-                  <a:spAutoFit/>
-                </a:bodyPr>
-                <a:lstStyle/>
-                <a:p>
-                  <a:pPr>
-                    <a:tabLst>
-                      <a:tab pos="487363" algn="l"/>
-                    </a:tabLst>
-                  </a:pPr>
-                  <a:r>
-                    <a:rPr kumimoji="1" lang="zh-CN" altLang="en-US" sz="2200" dirty="0">
-                      <a:solidFill>
-                        <a:schemeClr val="accent6">
-                          <a:lumMod val="60000"/>
-                          <a:lumOff val="40000"/>
-                        </a:schemeClr>
-                      </a:solidFill>
-                    </a:rPr>
-                    <a:t>小樹</a:t>
-                  </a:r>
-                  <a:r>
-                    <a:rPr kumimoji="1" lang="en-US" altLang="zh-CN" sz="2200" dirty="0">
-                      <a:solidFill>
-                        <a:schemeClr val="accent6">
-                          <a:lumMod val="60000"/>
-                          <a:lumOff val="40000"/>
-                        </a:schemeClr>
-                      </a:solidFill>
-                    </a:rPr>
-                    <a:t>: 18</a:t>
-                  </a:r>
-                  <a:endParaRPr kumimoji="1" lang="zh-TW" altLang="en-US" sz="2200" dirty="0">
-                    <a:solidFill>
-                      <a:schemeClr val="accent6">
-                        <a:lumMod val="60000"/>
-                        <a:lumOff val="40000"/>
-                      </a:schemeClr>
-                    </a:solidFill>
-                  </a:endParaRPr>
-                </a:p>
-              </p:txBody>
-            </p:sp>
+            </p:pic>
+            <p:pic>
+              <p:nvPicPr>
+                <p:cNvPr id="34" name="圖片 33">
+                  <a:extLst>
+                    <a:ext uri="{FF2B5EF4-FFF2-40B4-BE49-F238E27FC236}">
+                      <a16:creationId xmlns:a16="http://schemas.microsoft.com/office/drawing/2014/main" id="{71EF10EA-A172-284F-B239-2DC66ACCA9F2}"/>
+                    </a:ext>
+                  </a:extLst>
+                </p:cNvPr>
+                <p:cNvPicPr>
+                  <a:picLocks noChangeAspect="1"/>
+                </p:cNvPicPr>
+                <p:nvPr/>
+              </p:nvPicPr>
+              <p:blipFill>
+                <a:blip r:embed="rId5"/>
+                <a:stretch>
+                  <a:fillRect/>
+                </a:stretch>
+              </p:blipFill>
+              <p:spPr>
+                <a:xfrm>
+                  <a:off x="8338744" y="2543164"/>
+                  <a:ext cx="288000" cy="258207"/>
+                </a:xfrm>
+                <a:prstGeom prst="rect">
+                  <a:avLst/>
+                </a:prstGeom>
+              </p:spPr>
+            </p:pic>
+            <p:pic>
+              <p:nvPicPr>
+                <p:cNvPr id="36" name="圖片 35">
+                  <a:extLst>
+                    <a:ext uri="{FF2B5EF4-FFF2-40B4-BE49-F238E27FC236}">
+                      <a16:creationId xmlns:a16="http://schemas.microsoft.com/office/drawing/2014/main" id="{89505CE0-EF87-1B45-ACD7-1E2047C86AE2}"/>
+                    </a:ext>
+                  </a:extLst>
+                </p:cNvPr>
+                <p:cNvPicPr>
+                  <a:picLocks noChangeAspect="1"/>
+                </p:cNvPicPr>
+                <p:nvPr/>
+              </p:nvPicPr>
+              <p:blipFill>
+                <a:blip r:embed="rId6"/>
+                <a:stretch>
+                  <a:fillRect/>
+                </a:stretch>
+              </p:blipFill>
+              <p:spPr>
+                <a:xfrm>
+                  <a:off x="7353368" y="4901284"/>
+                  <a:ext cx="288000" cy="309334"/>
+                </a:xfrm>
+                <a:prstGeom prst="rect">
+                  <a:avLst/>
+                </a:prstGeom>
+              </p:spPr>
+            </p:pic>
+            <p:pic>
+              <p:nvPicPr>
+                <p:cNvPr id="38" name="圖片 37">
+                  <a:extLst>
+                    <a:ext uri="{FF2B5EF4-FFF2-40B4-BE49-F238E27FC236}">
+                      <a16:creationId xmlns:a16="http://schemas.microsoft.com/office/drawing/2014/main" id="{78AE461E-B02A-454B-ACA6-EA3627BCA358}"/>
+                    </a:ext>
+                  </a:extLst>
+                </p:cNvPr>
+                <p:cNvPicPr>
+                  <a:picLocks noChangeAspect="1"/>
+                </p:cNvPicPr>
+                <p:nvPr/>
+              </p:nvPicPr>
+              <p:blipFill>
+                <a:blip r:embed="rId7"/>
+                <a:stretch>
+                  <a:fillRect/>
+                </a:stretch>
+              </p:blipFill>
+              <p:spPr>
+                <a:xfrm>
+                  <a:off x="7019828" y="3201755"/>
+                  <a:ext cx="267428" cy="288000"/>
+                </a:xfrm>
+                <a:prstGeom prst="rect">
+                  <a:avLst/>
+                </a:prstGeom>
+              </p:spPr>
+            </p:pic>
+            <p:pic>
+              <p:nvPicPr>
+                <p:cNvPr id="40" name="圖片 39">
+                  <a:extLst>
+                    <a:ext uri="{FF2B5EF4-FFF2-40B4-BE49-F238E27FC236}">
+                      <a16:creationId xmlns:a16="http://schemas.microsoft.com/office/drawing/2014/main" id="{B4B382F4-913E-DF47-9C9B-BC54B517B429}"/>
+                    </a:ext>
+                  </a:extLst>
+                </p:cNvPr>
+                <p:cNvPicPr>
+                  <a:picLocks noChangeAspect="1"/>
+                </p:cNvPicPr>
+                <p:nvPr/>
+              </p:nvPicPr>
+              <p:blipFill>
+                <a:blip r:embed="rId8"/>
+                <a:stretch>
+                  <a:fillRect/>
+                </a:stretch>
+              </p:blipFill>
+              <p:spPr>
+                <a:xfrm>
+                  <a:off x="8014801" y="3537858"/>
+                  <a:ext cx="252000" cy="308000"/>
+                </a:xfrm>
+                <a:prstGeom prst="rect">
+                  <a:avLst/>
+                </a:prstGeom>
+              </p:spPr>
+            </p:pic>
           </p:grpSp>
-          <p:pic>
-            <p:nvPicPr>
-              <p:cNvPr id="23" name="圖片 22">
+          <p:sp>
+            <p:nvSpPr>
+              <p:cNvPr id="42" name="文字方塊 41">
                 <a:extLst>
                   <a:ext uri="{FF2B5EF4-FFF2-40B4-BE49-F238E27FC236}">
-                    <a16:creationId xmlns:a16="http://schemas.microsoft.com/office/drawing/2014/main" id="{E8B12BD8-0C54-C245-B299-FD94AFDA6C82}"/>
+                    <a16:creationId xmlns:a16="http://schemas.microsoft.com/office/drawing/2014/main" id="{007CFB22-E161-0C4A-BBF4-1B07C78C1873}"/>
                   </a:ext>
                 </a:extLst>
               </p:cNvPr>
-              <p:cNvPicPr>
-                <a:picLocks noChangeAspect="1"/>
-              </p:cNvPicPr>
+              <p:cNvSpPr txBox="1"/>
               <p:nvPr/>
-            </p:nvPicPr>
-            <p:blipFill>
-              <a:blip r:embed="rId3"/>
-              <a:stretch>
-                <a:fillRect/>
-              </a:stretch>
-            </p:blipFill>
+            </p:nvSpPr>
             <p:spPr>
               <a:xfrm>
-                <a:off x="7317368" y="3191179"/>
-                <a:ext cx="324000" cy="334125"/>
+                <a:off x="3298372" y="974700"/>
+                <a:ext cx="1741686" cy="769127"/>
               </a:xfrm>
               <a:prstGeom prst="rect">
                 <a:avLst/>
               </a:prstGeom>
+              <a:solidFill>
+                <a:schemeClr val="tx1"/>
+              </a:solidFill>
             </p:spPr>
-          </p:pic>
-          <p:pic>
-            <p:nvPicPr>
-              <p:cNvPr id="25" name="圖片 24">
-                <a:extLst>
-                  <a:ext uri="{FF2B5EF4-FFF2-40B4-BE49-F238E27FC236}">
-                    <a16:creationId xmlns:a16="http://schemas.microsoft.com/office/drawing/2014/main" id="{F7D7B318-DCEF-A243-BC24-E838A56F3734}"/>
-                  </a:ext>
-                </a:extLst>
-              </p:cNvPr>
-              <p:cNvPicPr>
-                <a:picLocks noChangeAspect="1"/>
-              </p:cNvPicPr>
-              <p:nvPr/>
-            </p:nvPicPr>
-            <p:blipFill>
-              <a:blip r:embed="rId4"/>
-              <a:stretch>
-                <a:fillRect/>
-              </a:stretch>
-            </p:blipFill>
-            <p:spPr>
-              <a:xfrm>
-                <a:off x="7641368" y="1490438"/>
-                <a:ext cx="324000" cy="313875"/>
-              </a:xfrm>
-              <a:prstGeom prst="rect">
-                <a:avLst/>
-              </a:prstGeom>
-            </p:spPr>
-          </p:pic>
-          <p:pic>
-            <p:nvPicPr>
-              <p:cNvPr id="30" name="圖片 29">
-                <a:extLst>
-                  <a:ext uri="{FF2B5EF4-FFF2-40B4-BE49-F238E27FC236}">
-                    <a16:creationId xmlns:a16="http://schemas.microsoft.com/office/drawing/2014/main" id="{A430F302-6FA0-844A-BC79-37B258E1E00D}"/>
-                  </a:ext>
-                </a:extLst>
-              </p:cNvPr>
-              <p:cNvPicPr>
-                <a:picLocks noChangeAspect="1"/>
-              </p:cNvPicPr>
-              <p:nvPr/>
-            </p:nvPicPr>
-            <p:blipFill>
-              <a:blip r:embed="rId4"/>
-              <a:stretch>
-                <a:fillRect/>
-              </a:stretch>
-            </p:blipFill>
-            <p:spPr>
-              <a:xfrm>
-                <a:off x="5649920" y="2853405"/>
-                <a:ext cx="324000" cy="313875"/>
-              </a:xfrm>
-              <a:prstGeom prst="rect">
-                <a:avLst/>
-              </a:prstGeom>
-            </p:spPr>
-          </p:pic>
-          <p:pic>
-            <p:nvPicPr>
-              <p:cNvPr id="31" name="圖片 30">
-                <a:extLst>
-                  <a:ext uri="{FF2B5EF4-FFF2-40B4-BE49-F238E27FC236}">
-                    <a16:creationId xmlns:a16="http://schemas.microsoft.com/office/drawing/2014/main" id="{13F00B00-370D-B844-A19E-12D6EC08025B}"/>
-                  </a:ext>
-                </a:extLst>
-              </p:cNvPr>
-              <p:cNvPicPr>
-                <a:picLocks noChangeAspect="1"/>
-              </p:cNvPicPr>
-              <p:nvPr/>
-            </p:nvPicPr>
-            <p:blipFill>
-              <a:blip r:embed="rId4"/>
-              <a:stretch>
-                <a:fillRect/>
-              </a:stretch>
-            </p:blipFill>
-            <p:spPr>
-              <a:xfrm>
-                <a:off x="6984330" y="3874603"/>
-                <a:ext cx="328764" cy="318491"/>
-              </a:xfrm>
-              <a:prstGeom prst="rect">
-                <a:avLst/>
-              </a:prstGeom>
-            </p:spPr>
-          </p:pic>
-          <p:pic>
-            <p:nvPicPr>
-              <p:cNvPr id="32" name="圖片 31">
-                <a:extLst>
-                  <a:ext uri="{FF2B5EF4-FFF2-40B4-BE49-F238E27FC236}">
-                    <a16:creationId xmlns:a16="http://schemas.microsoft.com/office/drawing/2014/main" id="{907C7036-CE69-9340-8000-E979659AF9A8}"/>
-                  </a:ext>
-                </a:extLst>
-              </p:cNvPr>
-              <p:cNvPicPr>
-                <a:picLocks noChangeAspect="1"/>
-              </p:cNvPicPr>
-              <p:nvPr/>
-            </p:nvPicPr>
-            <p:blipFill>
-              <a:blip r:embed="rId4"/>
-              <a:stretch>
-                <a:fillRect/>
-              </a:stretch>
-            </p:blipFill>
-            <p:spPr>
-              <a:xfrm>
-                <a:off x="8958539" y="4549324"/>
-                <a:ext cx="324000" cy="313875"/>
-              </a:xfrm>
-              <a:prstGeom prst="rect">
-                <a:avLst/>
-              </a:prstGeom>
-            </p:spPr>
-          </p:pic>
-          <p:pic>
-            <p:nvPicPr>
-              <p:cNvPr id="34" name="圖片 33">
-                <a:extLst>
-                  <a:ext uri="{FF2B5EF4-FFF2-40B4-BE49-F238E27FC236}">
-                    <a16:creationId xmlns:a16="http://schemas.microsoft.com/office/drawing/2014/main" id="{71EF10EA-A172-284F-B239-2DC66ACCA9F2}"/>
-                  </a:ext>
-                </a:extLst>
-              </p:cNvPr>
-              <p:cNvPicPr>
-                <a:picLocks noChangeAspect="1"/>
-              </p:cNvPicPr>
-              <p:nvPr/>
-            </p:nvPicPr>
-            <p:blipFill>
-              <a:blip r:embed="rId5"/>
-              <a:stretch>
-                <a:fillRect/>
-              </a:stretch>
-            </p:blipFill>
-            <p:spPr>
-              <a:xfrm>
-                <a:off x="8338744" y="2543164"/>
-                <a:ext cx="288000" cy="258207"/>
-              </a:xfrm>
-              <a:prstGeom prst="rect">
-                <a:avLst/>
-              </a:prstGeom>
-            </p:spPr>
-          </p:pic>
-          <p:pic>
-            <p:nvPicPr>
-              <p:cNvPr id="36" name="圖片 35">
-                <a:extLst>
-                  <a:ext uri="{FF2B5EF4-FFF2-40B4-BE49-F238E27FC236}">
-                    <a16:creationId xmlns:a16="http://schemas.microsoft.com/office/drawing/2014/main" id="{89505CE0-EF87-1B45-ACD7-1E2047C86AE2}"/>
-                  </a:ext>
-                </a:extLst>
-              </p:cNvPr>
-              <p:cNvPicPr>
-                <a:picLocks noChangeAspect="1"/>
-              </p:cNvPicPr>
-              <p:nvPr/>
-            </p:nvPicPr>
-            <p:blipFill>
-              <a:blip r:embed="rId6"/>
-              <a:stretch>
-                <a:fillRect/>
-              </a:stretch>
-            </p:blipFill>
-            <p:spPr>
-              <a:xfrm>
-                <a:off x="7353368" y="4901284"/>
-                <a:ext cx="288000" cy="309334"/>
-              </a:xfrm>
-              <a:prstGeom prst="rect">
-                <a:avLst/>
-              </a:prstGeom>
-            </p:spPr>
-          </p:pic>
-          <p:pic>
-            <p:nvPicPr>
-              <p:cNvPr id="38" name="圖片 37">
-                <a:extLst>
-                  <a:ext uri="{FF2B5EF4-FFF2-40B4-BE49-F238E27FC236}">
-                    <a16:creationId xmlns:a16="http://schemas.microsoft.com/office/drawing/2014/main" id="{78AE461E-B02A-454B-ACA6-EA3627BCA358}"/>
-                  </a:ext>
-                </a:extLst>
-              </p:cNvPr>
-              <p:cNvPicPr>
-                <a:picLocks noChangeAspect="1"/>
-              </p:cNvPicPr>
-              <p:nvPr/>
-            </p:nvPicPr>
-            <p:blipFill>
-              <a:blip r:embed="rId7"/>
-              <a:stretch>
-                <a:fillRect/>
-              </a:stretch>
-            </p:blipFill>
-            <p:spPr>
-              <a:xfrm>
-                <a:off x="7019828" y="3201755"/>
-                <a:ext cx="267428" cy="288000"/>
-              </a:xfrm>
-              <a:prstGeom prst="rect">
-                <a:avLst/>
-              </a:prstGeom>
-            </p:spPr>
-          </p:pic>
-          <p:pic>
-            <p:nvPicPr>
-              <p:cNvPr id="40" name="圖片 39">
-                <a:extLst>
-                  <a:ext uri="{FF2B5EF4-FFF2-40B4-BE49-F238E27FC236}">
-                    <a16:creationId xmlns:a16="http://schemas.microsoft.com/office/drawing/2014/main" id="{B4B382F4-913E-DF47-9C9B-BC54B517B429}"/>
-                  </a:ext>
-                </a:extLst>
-              </p:cNvPr>
-              <p:cNvPicPr>
-                <a:picLocks noChangeAspect="1"/>
-              </p:cNvPicPr>
-              <p:nvPr/>
-            </p:nvPicPr>
-            <p:blipFill>
-              <a:blip r:embed="rId8"/>
-              <a:stretch>
-                <a:fillRect/>
-              </a:stretch>
-            </p:blipFill>
-            <p:spPr>
-              <a:xfrm>
-                <a:off x="8014801" y="3537858"/>
-                <a:ext cx="252000" cy="308000"/>
-              </a:xfrm>
-              <a:prstGeom prst="rect">
-                <a:avLst/>
-              </a:prstGeom>
-            </p:spPr>
-          </p:pic>
+            <p:txBody>
+              <a:bodyPr wrap="square" rtlCol="0">
+                <a:spAutoFit/>
+              </a:bodyPr>
+              <a:lstStyle/>
+              <a:p>
+                <a:pPr algn="ctr">
+                  <a:tabLst>
+                    <a:tab pos="487363" algn="l"/>
+                  </a:tabLst>
+                </a:pPr>
+                <a:r>
+                  <a:rPr kumimoji="1" lang="en-US" altLang="zh-CN" sz="2800" dirty="0">
+                    <a:solidFill>
+                      <a:srgbClr val="00B0F0"/>
+                    </a:solidFill>
+                  </a:rPr>
+                  <a:t>Final Score: 26-7=19</a:t>
+                </a:r>
+                <a:endParaRPr kumimoji="1" lang="zh-TW" altLang="en-US" sz="2800" dirty="0">
+                  <a:solidFill>
+                    <a:srgbClr val="00B0F0"/>
+                  </a:solidFill>
+                </a:endParaRPr>
+              </a:p>
+            </p:txBody>
+          </p:sp>
         </p:grpSp>
+        <p:pic>
+          <p:nvPicPr>
+            <p:cNvPr id="3" name="圖片 2">
+              <a:extLst>
+                <a:ext uri="{FF2B5EF4-FFF2-40B4-BE49-F238E27FC236}">
+                  <a16:creationId xmlns:a16="http://schemas.microsoft.com/office/drawing/2014/main" id="{CD0221BF-DC57-8541-9893-316C67EB39EB}"/>
+                </a:ext>
+              </a:extLst>
+            </p:cNvPr>
+            <p:cNvPicPr>
+              <a:picLocks noChangeAspect="1"/>
+            </p:cNvPicPr>
+            <p:nvPr/>
+          </p:nvPicPr>
+          <p:blipFill>
+            <a:blip r:embed="rId9"/>
+            <a:stretch>
+              <a:fillRect/>
+            </a:stretch>
+          </p:blipFill>
+          <p:spPr>
+            <a:xfrm>
+              <a:off x="2398216" y="400776"/>
+              <a:ext cx="5844635" cy="6142662"/>
+            </a:xfrm>
+            <a:prstGeom prst="rect">
+              <a:avLst/>
+            </a:prstGeom>
+          </p:spPr>
+        </p:pic>
         <p:sp>
           <p:nvSpPr>
-            <p:cNvPr id="42" name="文字方塊 41">
+            <p:cNvPr id="45" name="向右箭號 44">
               <a:extLst>
                 <a:ext uri="{FF2B5EF4-FFF2-40B4-BE49-F238E27FC236}">
-                  <a16:creationId xmlns:a16="http://schemas.microsoft.com/office/drawing/2014/main" id="{007CFB22-E161-0C4A-BBF4-1B07C78C1873}"/>
+                  <a16:creationId xmlns:a16="http://schemas.microsoft.com/office/drawing/2014/main" id="{7BE80E27-A79C-6C48-9C4A-1040610D761F}"/>
+                </a:ext>
+              </a:extLst>
+            </p:cNvPr>
+            <p:cNvSpPr/>
+            <p:nvPr/>
+          </p:nvSpPr>
+          <p:spPr>
+            <a:xfrm>
+              <a:off x="5573484" y="3222171"/>
+              <a:ext cx="304800" cy="338469"/>
+            </a:xfrm>
+            <a:prstGeom prst="rightArrow">
+              <a:avLst/>
+            </a:prstGeom>
+            <a:solidFill>
+              <a:srgbClr val="10E9F0"/>
+            </a:solidFill>
+            <a:ln>
+              <a:noFill/>
+            </a:ln>
+          </p:spPr>
+          <p:style>
+            <a:lnRef idx="2">
+              <a:schemeClr val="accent1">
+                <a:shade val="50000"/>
+              </a:schemeClr>
+            </a:lnRef>
+            <a:fillRef idx="1">
+              <a:schemeClr val="accent1"/>
+            </a:fillRef>
+            <a:effectRef idx="0">
+              <a:schemeClr val="accent1"/>
+            </a:effectRef>
+            <a:fontRef idx="minor">
+              <a:schemeClr val="lt1"/>
+            </a:fontRef>
+          </p:style>
+          <p:txBody>
+            <a:bodyPr rtlCol="0" anchor="ctr"/>
+            <a:lstStyle/>
+            <a:p>
+              <a:pPr algn="ctr"/>
+              <a:endParaRPr kumimoji="1" lang="zh-TW" altLang="en-US"/>
+            </a:p>
+          </p:txBody>
+        </p:sp>
+        <p:sp>
+          <p:nvSpPr>
+            <p:cNvPr id="47" name="向右箭號 46">
+              <a:extLst>
+                <a:ext uri="{FF2B5EF4-FFF2-40B4-BE49-F238E27FC236}">
+                  <a16:creationId xmlns:a16="http://schemas.microsoft.com/office/drawing/2014/main" id="{C6B9CC99-B83C-E045-89A6-CFD381A309A2}"/>
+                </a:ext>
+              </a:extLst>
+            </p:cNvPr>
+            <p:cNvSpPr/>
+            <p:nvPr/>
+          </p:nvSpPr>
+          <p:spPr>
+            <a:xfrm rot="5400000">
+              <a:off x="5693226" y="3494316"/>
+              <a:ext cx="304800" cy="338469"/>
+            </a:xfrm>
+            <a:prstGeom prst="rightArrow">
+              <a:avLst/>
+            </a:prstGeom>
+            <a:solidFill>
+              <a:srgbClr val="10E9F0"/>
+            </a:solidFill>
+            <a:ln>
+              <a:noFill/>
+            </a:ln>
+          </p:spPr>
+          <p:style>
+            <a:lnRef idx="2">
+              <a:schemeClr val="accent1">
+                <a:shade val="50000"/>
+              </a:schemeClr>
+            </a:lnRef>
+            <a:fillRef idx="1">
+              <a:schemeClr val="accent1"/>
+            </a:fillRef>
+            <a:effectRef idx="0">
+              <a:schemeClr val="accent1"/>
+            </a:effectRef>
+            <a:fontRef idx="minor">
+              <a:schemeClr val="lt1"/>
+            </a:fontRef>
+          </p:style>
+          <p:txBody>
+            <a:bodyPr rtlCol="0" anchor="ctr"/>
+            <a:lstStyle/>
+            <a:p>
+              <a:pPr algn="ctr"/>
+              <a:endParaRPr kumimoji="1" lang="zh-TW" altLang="en-US"/>
+            </a:p>
+          </p:txBody>
+        </p:sp>
+        <p:sp>
+          <p:nvSpPr>
+            <p:cNvPr id="49" name="向右箭號 48">
+              <a:extLst>
+                <a:ext uri="{FF2B5EF4-FFF2-40B4-BE49-F238E27FC236}">
+                  <a16:creationId xmlns:a16="http://schemas.microsoft.com/office/drawing/2014/main" id="{82DB7F11-4ACD-D647-9A76-6EE7CEC583FF}"/>
+                </a:ext>
+              </a:extLst>
+            </p:cNvPr>
+            <p:cNvSpPr/>
+            <p:nvPr/>
+          </p:nvSpPr>
+          <p:spPr>
+            <a:xfrm rot="5400000">
+              <a:off x="5693223" y="3886203"/>
+              <a:ext cx="304800" cy="338469"/>
+            </a:xfrm>
+            <a:prstGeom prst="rightArrow">
+              <a:avLst/>
+            </a:prstGeom>
+            <a:solidFill>
+              <a:srgbClr val="10E9F0"/>
+            </a:solidFill>
+            <a:ln>
+              <a:noFill/>
+            </a:ln>
+          </p:spPr>
+          <p:style>
+            <a:lnRef idx="2">
+              <a:schemeClr val="accent1">
+                <a:shade val="50000"/>
+              </a:schemeClr>
+            </a:lnRef>
+            <a:fillRef idx="1">
+              <a:schemeClr val="accent1"/>
+            </a:fillRef>
+            <a:effectRef idx="0">
+              <a:schemeClr val="accent1"/>
+            </a:effectRef>
+            <a:fontRef idx="minor">
+              <a:schemeClr val="lt1"/>
+            </a:fontRef>
+          </p:style>
+          <p:txBody>
+            <a:bodyPr rtlCol="0" anchor="ctr"/>
+            <a:lstStyle/>
+            <a:p>
+              <a:pPr algn="ctr"/>
+              <a:endParaRPr kumimoji="1" lang="zh-TW" altLang="en-US"/>
+            </a:p>
+          </p:txBody>
+        </p:sp>
+        <p:sp>
+          <p:nvSpPr>
+            <p:cNvPr id="50" name="向右箭號 49">
+              <a:extLst>
+                <a:ext uri="{FF2B5EF4-FFF2-40B4-BE49-F238E27FC236}">
+                  <a16:creationId xmlns:a16="http://schemas.microsoft.com/office/drawing/2014/main" id="{898B2944-8A51-1646-B7DF-C816765383D2}"/>
+                </a:ext>
+              </a:extLst>
+            </p:cNvPr>
+            <p:cNvSpPr/>
+            <p:nvPr/>
+          </p:nvSpPr>
+          <p:spPr>
+            <a:xfrm rot="5400000">
+              <a:off x="5693228" y="4317038"/>
+              <a:ext cx="304800" cy="338469"/>
+            </a:xfrm>
+            <a:prstGeom prst="rightArrow">
+              <a:avLst/>
+            </a:prstGeom>
+            <a:solidFill>
+              <a:srgbClr val="10E9F0"/>
+            </a:solidFill>
+            <a:ln>
+              <a:noFill/>
+            </a:ln>
+          </p:spPr>
+          <p:style>
+            <a:lnRef idx="2">
+              <a:schemeClr val="accent1">
+                <a:shade val="50000"/>
+              </a:schemeClr>
+            </a:lnRef>
+            <a:fillRef idx="1">
+              <a:schemeClr val="accent1"/>
+            </a:fillRef>
+            <a:effectRef idx="0">
+              <a:schemeClr val="accent1"/>
+            </a:effectRef>
+            <a:fontRef idx="minor">
+              <a:schemeClr val="lt1"/>
+            </a:fontRef>
+          </p:style>
+          <p:txBody>
+            <a:bodyPr rtlCol="0" anchor="ctr"/>
+            <a:lstStyle/>
+            <a:p>
+              <a:pPr algn="ctr"/>
+              <a:endParaRPr kumimoji="1" lang="zh-TW" altLang="en-US"/>
+            </a:p>
+          </p:txBody>
+        </p:sp>
+        <p:sp>
+          <p:nvSpPr>
+            <p:cNvPr id="51" name="向右箭號 50">
+              <a:extLst>
+                <a:ext uri="{FF2B5EF4-FFF2-40B4-BE49-F238E27FC236}">
+                  <a16:creationId xmlns:a16="http://schemas.microsoft.com/office/drawing/2014/main" id="{94F88719-0951-514B-AD34-98AF65CFB451}"/>
+                </a:ext>
+              </a:extLst>
+            </p:cNvPr>
+            <p:cNvSpPr/>
+            <p:nvPr/>
+          </p:nvSpPr>
+          <p:spPr>
+            <a:xfrm rot="5400000">
+              <a:off x="5704111" y="4730697"/>
+              <a:ext cx="304800" cy="338469"/>
+            </a:xfrm>
+            <a:prstGeom prst="rightArrow">
+              <a:avLst/>
+            </a:prstGeom>
+            <a:solidFill>
+              <a:srgbClr val="10E9F0"/>
+            </a:solidFill>
+            <a:ln>
+              <a:noFill/>
+            </a:ln>
+          </p:spPr>
+          <p:style>
+            <a:lnRef idx="2">
+              <a:schemeClr val="accent1">
+                <a:shade val="50000"/>
+              </a:schemeClr>
+            </a:lnRef>
+            <a:fillRef idx="1">
+              <a:schemeClr val="accent1"/>
+            </a:fillRef>
+            <a:effectRef idx="0">
+              <a:schemeClr val="accent1"/>
+            </a:effectRef>
+            <a:fontRef idx="minor">
+              <a:schemeClr val="lt1"/>
+            </a:fontRef>
+          </p:style>
+          <p:txBody>
+            <a:bodyPr rtlCol="0" anchor="ctr"/>
+            <a:lstStyle/>
+            <a:p>
+              <a:pPr algn="ctr"/>
+              <a:endParaRPr kumimoji="1" lang="zh-TW" altLang="en-US"/>
+            </a:p>
+          </p:txBody>
+        </p:sp>
+        <p:sp>
+          <p:nvSpPr>
+            <p:cNvPr id="52" name="向右箭號 51">
+              <a:extLst>
+                <a:ext uri="{FF2B5EF4-FFF2-40B4-BE49-F238E27FC236}">
+                  <a16:creationId xmlns:a16="http://schemas.microsoft.com/office/drawing/2014/main" id="{5AC73B4B-5899-F049-995D-0D8F601BF022}"/>
+                </a:ext>
+              </a:extLst>
+            </p:cNvPr>
+            <p:cNvSpPr/>
+            <p:nvPr/>
+          </p:nvSpPr>
+          <p:spPr>
+            <a:xfrm rot="5400000">
+              <a:off x="5714994" y="5144354"/>
+              <a:ext cx="304800" cy="338469"/>
+            </a:xfrm>
+            <a:prstGeom prst="rightArrow">
+              <a:avLst/>
+            </a:prstGeom>
+            <a:solidFill>
+              <a:srgbClr val="10E9F0"/>
+            </a:solidFill>
+            <a:ln>
+              <a:noFill/>
+            </a:ln>
+          </p:spPr>
+          <p:style>
+            <a:lnRef idx="2">
+              <a:schemeClr val="accent1">
+                <a:shade val="50000"/>
+              </a:schemeClr>
+            </a:lnRef>
+            <a:fillRef idx="1">
+              <a:schemeClr val="accent1"/>
+            </a:fillRef>
+            <a:effectRef idx="0">
+              <a:schemeClr val="accent1"/>
+            </a:effectRef>
+            <a:fontRef idx="minor">
+              <a:schemeClr val="lt1"/>
+            </a:fontRef>
+          </p:style>
+          <p:txBody>
+            <a:bodyPr rtlCol="0" anchor="ctr"/>
+            <a:lstStyle/>
+            <a:p>
+              <a:pPr algn="ctr"/>
+              <a:endParaRPr kumimoji="1" lang="zh-TW" altLang="en-US"/>
+            </a:p>
+          </p:txBody>
+        </p:sp>
+        <p:sp>
+          <p:nvSpPr>
+            <p:cNvPr id="53" name="向右箭號 52">
+              <a:extLst>
+                <a:ext uri="{FF2B5EF4-FFF2-40B4-BE49-F238E27FC236}">
+                  <a16:creationId xmlns:a16="http://schemas.microsoft.com/office/drawing/2014/main" id="{62661258-7B93-384F-9492-25B6A1F0980C}"/>
+                </a:ext>
+              </a:extLst>
+            </p:cNvPr>
+            <p:cNvSpPr/>
+            <p:nvPr/>
+          </p:nvSpPr>
+          <p:spPr>
+            <a:xfrm rot="10800000">
+              <a:off x="5551712" y="5301344"/>
+              <a:ext cx="304800" cy="338469"/>
+            </a:xfrm>
+            <a:prstGeom prst="rightArrow">
+              <a:avLst/>
+            </a:prstGeom>
+            <a:solidFill>
+              <a:srgbClr val="10E9F0"/>
+            </a:solidFill>
+            <a:ln>
+              <a:noFill/>
+            </a:ln>
+          </p:spPr>
+          <p:style>
+            <a:lnRef idx="2">
+              <a:schemeClr val="accent1">
+                <a:shade val="50000"/>
+              </a:schemeClr>
+            </a:lnRef>
+            <a:fillRef idx="1">
+              <a:schemeClr val="accent1"/>
+            </a:fillRef>
+            <a:effectRef idx="0">
+              <a:schemeClr val="accent1"/>
+            </a:effectRef>
+            <a:fontRef idx="minor">
+              <a:schemeClr val="lt1"/>
+            </a:fontRef>
+          </p:style>
+          <p:txBody>
+            <a:bodyPr rtlCol="0" anchor="ctr"/>
+            <a:lstStyle/>
+            <a:p>
+              <a:pPr algn="ctr"/>
+              <a:endParaRPr kumimoji="1" lang="zh-TW" altLang="en-US"/>
+            </a:p>
+          </p:txBody>
+        </p:sp>
+        <p:sp>
+          <p:nvSpPr>
+            <p:cNvPr id="2" name="TextBox 1">
+              <a:extLst>
+                <a:ext uri="{FF2B5EF4-FFF2-40B4-BE49-F238E27FC236}">
+                  <a16:creationId xmlns:a16="http://schemas.microsoft.com/office/drawing/2014/main" id="{E753BACE-D93F-4B7F-A744-134FD10230EF}"/>
                 </a:ext>
               </a:extLst>
             </p:cNvPr>
@@ -37170,8 +37495,8 @@
           </p:nvSpPr>
           <p:spPr>
             <a:xfrm>
-              <a:off x="3298372" y="974700"/>
-              <a:ext cx="1741686" cy="769127"/>
+              <a:off x="914409" y="1589048"/>
+              <a:ext cx="1483805" cy="461665"/>
             </a:xfrm>
             <a:prstGeom prst="rect">
               <a:avLst/>
@@ -37186,422 +37511,141 @@
             </a:bodyPr>
             <a:lstStyle/>
             <a:p>
-              <a:pPr algn="ctr">
-                <a:tabLst>
-                  <a:tab pos="487363" algn="l"/>
-                </a:tabLst>
-              </a:pPr>
               <a:r>
-                <a:rPr kumimoji="1" lang="en-US" altLang="zh-CN" sz="2800" dirty="0">
+                <a:rPr lang="en-US" sz="2400" b="1" dirty="0">
                   <a:solidFill>
-                    <a:srgbClr val="00B0F0"/>
+                    <a:srgbClr val="F84576"/>
                   </a:solidFill>
                 </a:rPr>
-                <a:t>Final Score: 26-7=19</a:t>
+                <a:t>Anne: 23</a:t>
               </a:r>
-              <a:endParaRPr kumimoji="1" lang="zh-TW" altLang="en-US" sz="2800" dirty="0">
-                <a:solidFill>
-                  <a:srgbClr val="00B0F0"/>
-                </a:solidFill>
-              </a:endParaRPr>
+            </a:p>
+          </p:txBody>
+        </p:sp>
+        <p:sp>
+          <p:nvSpPr>
+            <p:cNvPr id="29" name="TextBox 28">
+              <a:extLst>
+                <a:ext uri="{FF2B5EF4-FFF2-40B4-BE49-F238E27FC236}">
+                  <a16:creationId xmlns:a16="http://schemas.microsoft.com/office/drawing/2014/main" id="{276DEE2E-CC16-4423-8272-7FA317338881}"/>
+                </a:ext>
+              </a:extLst>
+            </p:cNvPr>
+            <p:cNvSpPr txBox="1"/>
+            <p:nvPr/>
+          </p:nvSpPr>
+          <p:spPr>
+            <a:xfrm>
+              <a:off x="910971" y="2311212"/>
+              <a:ext cx="1487247" cy="461665"/>
+            </a:xfrm>
+            <a:prstGeom prst="rect">
+              <a:avLst/>
+            </a:prstGeom>
+            <a:solidFill>
+              <a:schemeClr val="tx1"/>
+            </a:solidFill>
+          </p:spPr>
+          <p:txBody>
+            <a:bodyPr wrap="square" rtlCol="0">
+              <a:spAutoFit/>
+            </a:bodyPr>
+            <a:lstStyle/>
+            <a:p>
+              <a:r>
+                <a:rPr lang="en-US" sz="2400" b="1" dirty="0">
+                  <a:solidFill>
+                    <a:srgbClr val="D6C688"/>
+                  </a:solidFill>
+                </a:rPr>
+                <a:t>Ben: 26</a:t>
+              </a:r>
+            </a:p>
+          </p:txBody>
+        </p:sp>
+        <p:sp>
+          <p:nvSpPr>
+            <p:cNvPr id="33" name="TextBox 32">
+              <a:extLst>
+                <a:ext uri="{FF2B5EF4-FFF2-40B4-BE49-F238E27FC236}">
+                  <a16:creationId xmlns:a16="http://schemas.microsoft.com/office/drawing/2014/main" id="{1F1FEB8F-6BD2-4CF1-A3A3-EE1083B7C4E8}"/>
+                </a:ext>
+              </a:extLst>
+            </p:cNvPr>
+            <p:cNvSpPr txBox="1"/>
+            <p:nvPr/>
+          </p:nvSpPr>
+          <p:spPr>
+            <a:xfrm>
+              <a:off x="914413" y="3037874"/>
+              <a:ext cx="1483805" cy="461665"/>
+            </a:xfrm>
+            <a:prstGeom prst="rect">
+              <a:avLst/>
+            </a:prstGeom>
+            <a:solidFill>
+              <a:schemeClr val="tx1"/>
+            </a:solidFill>
+          </p:spPr>
+          <p:txBody>
+            <a:bodyPr wrap="square" rtlCol="0">
+              <a:spAutoFit/>
+            </a:bodyPr>
+            <a:lstStyle/>
+            <a:p>
+              <a:r>
+                <a:rPr lang="en-US" sz="2400" b="1" dirty="0">
+                  <a:solidFill>
+                    <a:srgbClr val="B26A42"/>
+                  </a:solidFill>
+                </a:rPr>
+                <a:t>Matt: 18</a:t>
+              </a:r>
+            </a:p>
+          </p:txBody>
+        </p:sp>
+        <p:sp>
+          <p:nvSpPr>
+            <p:cNvPr id="35" name="TextBox 34">
+              <a:extLst>
+                <a:ext uri="{FF2B5EF4-FFF2-40B4-BE49-F238E27FC236}">
+                  <a16:creationId xmlns:a16="http://schemas.microsoft.com/office/drawing/2014/main" id="{D852391A-8C4E-4368-8038-B8F5DD753809}"/>
+                </a:ext>
+              </a:extLst>
+            </p:cNvPr>
+            <p:cNvSpPr txBox="1"/>
+            <p:nvPr/>
+          </p:nvSpPr>
+          <p:spPr>
+            <a:xfrm>
+              <a:off x="910970" y="3731653"/>
+              <a:ext cx="1483805" cy="461665"/>
+            </a:xfrm>
+            <a:prstGeom prst="rect">
+              <a:avLst/>
+            </a:prstGeom>
+            <a:solidFill>
+              <a:schemeClr val="tx1"/>
+            </a:solidFill>
+          </p:spPr>
+          <p:txBody>
+            <a:bodyPr wrap="square" rtlCol="0">
+              <a:spAutoFit/>
+            </a:bodyPr>
+            <a:lstStyle/>
+            <a:p>
+              <a:r>
+                <a:rPr lang="en-US" sz="2400" b="1" dirty="0">
+                  <a:solidFill>
+                    <a:srgbClr val="7DCEA0"/>
+                  </a:solidFill>
+                </a:rPr>
+                <a:t>Amy: 18</a:t>
+              </a:r>
             </a:p>
           </p:txBody>
         </p:sp>
       </p:grpSp>
-      <p:pic>
-        <p:nvPicPr>
-          <p:cNvPr id="3" name="圖片 2">
-            <a:extLst>
-              <a:ext uri="{FF2B5EF4-FFF2-40B4-BE49-F238E27FC236}">
-                <a16:creationId xmlns:a16="http://schemas.microsoft.com/office/drawing/2014/main" id="{CD0221BF-DC57-8541-9893-316C67EB39EB}"/>
-              </a:ext>
-            </a:extLst>
-          </p:cNvPr>
-          <p:cNvPicPr>
-            <a:picLocks noChangeAspect="1"/>
-          </p:cNvPicPr>
-          <p:nvPr/>
-        </p:nvPicPr>
-        <p:blipFill>
-          <a:blip r:embed="rId9"/>
-          <a:stretch>
-            <a:fillRect/>
-          </a:stretch>
-        </p:blipFill>
-        <p:spPr>
-          <a:xfrm>
-            <a:off x="2398216" y="400776"/>
-            <a:ext cx="5844635" cy="6142662"/>
-          </a:xfrm>
-          <a:prstGeom prst="rect">
-            <a:avLst/>
-          </a:prstGeom>
-        </p:spPr>
-      </p:pic>
-      <p:sp>
-        <p:nvSpPr>
-          <p:cNvPr id="45" name="向右箭號 44">
-            <a:extLst>
-              <a:ext uri="{FF2B5EF4-FFF2-40B4-BE49-F238E27FC236}">
-                <a16:creationId xmlns:a16="http://schemas.microsoft.com/office/drawing/2014/main" id="{7BE80E27-A79C-6C48-9C4A-1040610D761F}"/>
-              </a:ext>
-            </a:extLst>
-          </p:cNvPr>
-          <p:cNvSpPr/>
-          <p:nvPr/>
-        </p:nvSpPr>
-        <p:spPr>
-          <a:xfrm>
-            <a:off x="5573484" y="3222171"/>
-            <a:ext cx="304800" cy="338469"/>
-          </a:xfrm>
-          <a:prstGeom prst="rightArrow">
-            <a:avLst/>
-          </a:prstGeom>
-          <a:solidFill>
-            <a:srgbClr val="10E9F0"/>
-          </a:solidFill>
-          <a:ln>
-            <a:noFill/>
-          </a:ln>
-        </p:spPr>
-        <p:style>
-          <a:lnRef idx="2">
-            <a:schemeClr val="accent1">
-              <a:shade val="50000"/>
-            </a:schemeClr>
-          </a:lnRef>
-          <a:fillRef idx="1">
-            <a:schemeClr val="accent1"/>
-          </a:fillRef>
-          <a:effectRef idx="0">
-            <a:schemeClr val="accent1"/>
-          </a:effectRef>
-          <a:fontRef idx="minor">
-            <a:schemeClr val="lt1"/>
-          </a:fontRef>
-        </p:style>
-        <p:txBody>
-          <a:bodyPr rtlCol="0" anchor="ctr"/>
-          <a:lstStyle/>
-          <a:p>
-            <a:pPr algn="ctr"/>
-            <a:endParaRPr kumimoji="1" lang="zh-TW" altLang="en-US"/>
-          </a:p>
-        </p:txBody>
-      </p:sp>
-      <p:sp>
-        <p:nvSpPr>
-          <p:cNvPr id="47" name="向右箭號 46">
-            <a:extLst>
-              <a:ext uri="{FF2B5EF4-FFF2-40B4-BE49-F238E27FC236}">
-                <a16:creationId xmlns:a16="http://schemas.microsoft.com/office/drawing/2014/main" id="{C6B9CC99-B83C-E045-89A6-CFD381A309A2}"/>
-              </a:ext>
-            </a:extLst>
-          </p:cNvPr>
-          <p:cNvSpPr/>
-          <p:nvPr/>
-        </p:nvSpPr>
-        <p:spPr>
-          <a:xfrm rot="5400000">
-            <a:off x="5693226" y="3494316"/>
-            <a:ext cx="304800" cy="338469"/>
-          </a:xfrm>
-          <a:prstGeom prst="rightArrow">
-            <a:avLst/>
-          </a:prstGeom>
-          <a:solidFill>
-            <a:srgbClr val="10E9F0"/>
-          </a:solidFill>
-          <a:ln>
-            <a:noFill/>
-          </a:ln>
-        </p:spPr>
-        <p:style>
-          <a:lnRef idx="2">
-            <a:schemeClr val="accent1">
-              <a:shade val="50000"/>
-            </a:schemeClr>
-          </a:lnRef>
-          <a:fillRef idx="1">
-            <a:schemeClr val="accent1"/>
-          </a:fillRef>
-          <a:effectRef idx="0">
-            <a:schemeClr val="accent1"/>
-          </a:effectRef>
-          <a:fontRef idx="minor">
-            <a:schemeClr val="lt1"/>
-          </a:fontRef>
-        </p:style>
-        <p:txBody>
-          <a:bodyPr rtlCol="0" anchor="ctr"/>
-          <a:lstStyle/>
-          <a:p>
-            <a:pPr algn="ctr"/>
-            <a:endParaRPr kumimoji="1" lang="zh-TW" altLang="en-US"/>
-          </a:p>
-        </p:txBody>
-      </p:sp>
-      <p:sp>
-        <p:nvSpPr>
-          <p:cNvPr id="49" name="向右箭號 48">
-            <a:extLst>
-              <a:ext uri="{FF2B5EF4-FFF2-40B4-BE49-F238E27FC236}">
-                <a16:creationId xmlns:a16="http://schemas.microsoft.com/office/drawing/2014/main" id="{82DB7F11-4ACD-D647-9A76-6EE7CEC583FF}"/>
-              </a:ext>
-            </a:extLst>
-          </p:cNvPr>
-          <p:cNvSpPr/>
-          <p:nvPr/>
-        </p:nvSpPr>
-        <p:spPr>
-          <a:xfrm rot="5400000">
-            <a:off x="5693223" y="3886203"/>
-            <a:ext cx="304800" cy="338469"/>
-          </a:xfrm>
-          <a:prstGeom prst="rightArrow">
-            <a:avLst/>
-          </a:prstGeom>
-          <a:solidFill>
-            <a:srgbClr val="10E9F0"/>
-          </a:solidFill>
-          <a:ln>
-            <a:noFill/>
-          </a:ln>
-        </p:spPr>
-        <p:style>
-          <a:lnRef idx="2">
-            <a:schemeClr val="accent1">
-              <a:shade val="50000"/>
-            </a:schemeClr>
-          </a:lnRef>
-          <a:fillRef idx="1">
-            <a:schemeClr val="accent1"/>
-          </a:fillRef>
-          <a:effectRef idx="0">
-            <a:schemeClr val="accent1"/>
-          </a:effectRef>
-          <a:fontRef idx="minor">
-            <a:schemeClr val="lt1"/>
-          </a:fontRef>
-        </p:style>
-        <p:txBody>
-          <a:bodyPr rtlCol="0" anchor="ctr"/>
-          <a:lstStyle/>
-          <a:p>
-            <a:pPr algn="ctr"/>
-            <a:endParaRPr kumimoji="1" lang="zh-TW" altLang="en-US"/>
-          </a:p>
-        </p:txBody>
-      </p:sp>
-      <p:sp>
-        <p:nvSpPr>
-          <p:cNvPr id="50" name="向右箭號 49">
-            <a:extLst>
-              <a:ext uri="{FF2B5EF4-FFF2-40B4-BE49-F238E27FC236}">
-                <a16:creationId xmlns:a16="http://schemas.microsoft.com/office/drawing/2014/main" id="{898B2944-8A51-1646-B7DF-C816765383D2}"/>
-              </a:ext>
-            </a:extLst>
-          </p:cNvPr>
-          <p:cNvSpPr/>
-          <p:nvPr/>
-        </p:nvSpPr>
-        <p:spPr>
-          <a:xfrm rot="5400000">
-            <a:off x="5693228" y="4317038"/>
-            <a:ext cx="304800" cy="338469"/>
-          </a:xfrm>
-          <a:prstGeom prst="rightArrow">
-            <a:avLst/>
-          </a:prstGeom>
-          <a:solidFill>
-            <a:srgbClr val="10E9F0"/>
-          </a:solidFill>
-          <a:ln>
-            <a:noFill/>
-          </a:ln>
-        </p:spPr>
-        <p:style>
-          <a:lnRef idx="2">
-            <a:schemeClr val="accent1">
-              <a:shade val="50000"/>
-            </a:schemeClr>
-          </a:lnRef>
-          <a:fillRef idx="1">
-            <a:schemeClr val="accent1"/>
-          </a:fillRef>
-          <a:effectRef idx="0">
-            <a:schemeClr val="accent1"/>
-          </a:effectRef>
-          <a:fontRef idx="minor">
-            <a:schemeClr val="lt1"/>
-          </a:fontRef>
-        </p:style>
-        <p:txBody>
-          <a:bodyPr rtlCol="0" anchor="ctr"/>
-          <a:lstStyle/>
-          <a:p>
-            <a:pPr algn="ctr"/>
-            <a:endParaRPr kumimoji="1" lang="zh-TW" altLang="en-US"/>
-          </a:p>
-        </p:txBody>
-      </p:sp>
-      <p:sp>
-        <p:nvSpPr>
-          <p:cNvPr id="51" name="向右箭號 50">
-            <a:extLst>
-              <a:ext uri="{FF2B5EF4-FFF2-40B4-BE49-F238E27FC236}">
-                <a16:creationId xmlns:a16="http://schemas.microsoft.com/office/drawing/2014/main" id="{94F88719-0951-514B-AD34-98AF65CFB451}"/>
-              </a:ext>
-            </a:extLst>
-          </p:cNvPr>
-          <p:cNvSpPr/>
-          <p:nvPr/>
-        </p:nvSpPr>
-        <p:spPr>
-          <a:xfrm rot="5400000">
-            <a:off x="5704111" y="4730697"/>
-            <a:ext cx="304800" cy="338469"/>
-          </a:xfrm>
-          <a:prstGeom prst="rightArrow">
-            <a:avLst/>
-          </a:prstGeom>
-          <a:solidFill>
-            <a:srgbClr val="10E9F0"/>
-          </a:solidFill>
-          <a:ln>
-            <a:noFill/>
-          </a:ln>
-        </p:spPr>
-        <p:style>
-          <a:lnRef idx="2">
-            <a:schemeClr val="accent1">
-              <a:shade val="50000"/>
-            </a:schemeClr>
-          </a:lnRef>
-          <a:fillRef idx="1">
-            <a:schemeClr val="accent1"/>
-          </a:fillRef>
-          <a:effectRef idx="0">
-            <a:schemeClr val="accent1"/>
-          </a:effectRef>
-          <a:fontRef idx="minor">
-            <a:schemeClr val="lt1"/>
-          </a:fontRef>
-        </p:style>
-        <p:txBody>
-          <a:bodyPr rtlCol="0" anchor="ctr"/>
-          <a:lstStyle/>
-          <a:p>
-            <a:pPr algn="ctr"/>
-            <a:endParaRPr kumimoji="1" lang="zh-TW" altLang="en-US"/>
-          </a:p>
-        </p:txBody>
-      </p:sp>
-      <p:sp>
-        <p:nvSpPr>
-          <p:cNvPr id="52" name="向右箭號 51">
-            <a:extLst>
-              <a:ext uri="{FF2B5EF4-FFF2-40B4-BE49-F238E27FC236}">
-                <a16:creationId xmlns:a16="http://schemas.microsoft.com/office/drawing/2014/main" id="{5AC73B4B-5899-F049-995D-0D8F601BF022}"/>
-              </a:ext>
-            </a:extLst>
-          </p:cNvPr>
-          <p:cNvSpPr/>
-          <p:nvPr/>
-        </p:nvSpPr>
-        <p:spPr>
-          <a:xfrm rot="5400000">
-            <a:off x="5714994" y="5144354"/>
-            <a:ext cx="304800" cy="338469"/>
-          </a:xfrm>
-          <a:prstGeom prst="rightArrow">
-            <a:avLst/>
-          </a:prstGeom>
-          <a:solidFill>
-            <a:srgbClr val="10E9F0"/>
-          </a:solidFill>
-          <a:ln>
-            <a:noFill/>
-          </a:ln>
-        </p:spPr>
-        <p:style>
-          <a:lnRef idx="2">
-            <a:schemeClr val="accent1">
-              <a:shade val="50000"/>
-            </a:schemeClr>
-          </a:lnRef>
-          <a:fillRef idx="1">
-            <a:schemeClr val="accent1"/>
-          </a:fillRef>
-          <a:effectRef idx="0">
-            <a:schemeClr val="accent1"/>
-          </a:effectRef>
-          <a:fontRef idx="minor">
-            <a:schemeClr val="lt1"/>
-          </a:fontRef>
-        </p:style>
-        <p:txBody>
-          <a:bodyPr rtlCol="0" anchor="ctr"/>
-          <a:lstStyle/>
-          <a:p>
-            <a:pPr algn="ctr"/>
-            <a:endParaRPr kumimoji="1" lang="zh-TW" altLang="en-US"/>
-          </a:p>
-        </p:txBody>
-      </p:sp>
-      <p:sp>
-        <p:nvSpPr>
-          <p:cNvPr id="53" name="向右箭號 52">
-            <a:extLst>
-              <a:ext uri="{FF2B5EF4-FFF2-40B4-BE49-F238E27FC236}">
-                <a16:creationId xmlns:a16="http://schemas.microsoft.com/office/drawing/2014/main" id="{62661258-7B93-384F-9492-25B6A1F0980C}"/>
-              </a:ext>
-            </a:extLst>
-          </p:cNvPr>
-          <p:cNvSpPr/>
-          <p:nvPr/>
-        </p:nvSpPr>
-        <p:spPr>
-          <a:xfrm rot="10800000">
-            <a:off x="5551712" y="5301344"/>
-            <a:ext cx="304800" cy="338469"/>
-          </a:xfrm>
-          <a:prstGeom prst="rightArrow">
-            <a:avLst/>
-          </a:prstGeom>
-          <a:solidFill>
-            <a:srgbClr val="10E9F0"/>
-          </a:solidFill>
-          <a:ln>
-            <a:noFill/>
-          </a:ln>
-        </p:spPr>
-        <p:style>
-          <a:lnRef idx="2">
-            <a:schemeClr val="accent1">
-              <a:shade val="50000"/>
-            </a:schemeClr>
-          </a:lnRef>
-          <a:fillRef idx="1">
-            <a:schemeClr val="accent1"/>
-          </a:fillRef>
-          <a:effectRef idx="0">
-            <a:schemeClr val="accent1"/>
-          </a:effectRef>
-          <a:fontRef idx="minor">
-            <a:schemeClr val="lt1"/>
-          </a:fontRef>
-        </p:style>
-        <p:txBody>
-          <a:bodyPr rtlCol="0" anchor="ctr"/>
-          <a:lstStyle/>
-          <a:p>
-            <a:pPr algn="ctr"/>
-            <a:endParaRPr kumimoji="1" lang="zh-TW" altLang="en-US"/>
-          </a:p>
-        </p:txBody>
-      </p:sp>
     </p:spTree>
     <p:extLst>
       <p:ext uri="{BB962C8B-B14F-4D97-AF65-F5344CB8AC3E}">
@@ -37636,9 +37680,7 @@
         <p:nvGraphicFramePr>
           <p:cNvPr id="4" name="Diagram 3"/>
           <p:cNvGraphicFramePr/>
-          <p:nvPr>
-            <p:extLst/>
-          </p:nvPr>
+          <p:nvPr/>
         </p:nvGraphicFramePr>
         <p:xfrm>
           <a:off x="3890357" y="1773926"/>
@@ -43466,9 +43508,7 @@
         <p:nvGraphicFramePr>
           <p:cNvPr id="4" name="Diagram 3"/>
           <p:cNvGraphicFramePr/>
-          <p:nvPr>
-            <p:extLst/>
-          </p:nvPr>
+          <p:nvPr/>
         </p:nvGraphicFramePr>
         <p:xfrm>
           <a:off x="3890357" y="1773926"/>

--- a/report/ToMNET.pptx
+++ b/report/ToMNET.pptx
@@ -36262,7 +36262,7 @@
                 </a:extLst>
               </p:cNvPr>
               <p:cNvPicPr>
-                <a:picLocks noChangeAspect="1"/>
+                <a:picLocks/>
               </p:cNvPicPr>
               <p:nvPr/>
             </p:nvPicPr>
@@ -36274,8 +36274,8 @@
             </p:blipFill>
             <p:spPr>
               <a:xfrm>
-                <a:off x="8958539" y="4562465"/>
-                <a:ext cx="324000" cy="313875"/>
+                <a:off x="8958538" y="4538286"/>
+                <a:ext cx="347204" cy="335497"/>
               </a:xfrm>
               <a:prstGeom prst="rect">
                 <a:avLst/>
@@ -37495,7 +37495,7 @@
           </p:nvSpPr>
           <p:spPr>
             <a:xfrm>
-              <a:off x="914409" y="1589048"/>
+              <a:off x="806583" y="1589048"/>
               <a:ext cx="1483805" cy="461665"/>
             </a:xfrm>
             <a:prstGeom prst="rect">
@@ -37536,8 +37536,8 @@
           </p:nvSpPr>
           <p:spPr>
             <a:xfrm>
-              <a:off x="910971" y="2311212"/>
-              <a:ext cx="1487247" cy="461665"/>
+              <a:off x="806583" y="2311212"/>
+              <a:ext cx="1591635" cy="461665"/>
             </a:xfrm>
             <a:prstGeom prst="rect">
               <a:avLst/>
@@ -37577,8 +37577,8 @@
           </p:nvSpPr>
           <p:spPr>
             <a:xfrm>
-              <a:off x="914413" y="3037874"/>
-              <a:ext cx="1483805" cy="461665"/>
+              <a:off x="806583" y="3037874"/>
+              <a:ext cx="1591635" cy="461665"/>
             </a:xfrm>
             <a:prstGeom prst="rect">
               <a:avLst/>
@@ -37618,7 +37618,7 @@
           </p:nvSpPr>
           <p:spPr>
             <a:xfrm>
-              <a:off x="910970" y="3731653"/>
+              <a:off x="806583" y="3731653"/>
               <a:ext cx="1483805" cy="461665"/>
             </a:xfrm>
             <a:prstGeom prst="rect">
@@ -37646,6 +37646,58 @@
           </p:txBody>
         </p:sp>
       </p:grpSp>
+      <p:sp>
+        <p:nvSpPr>
+          <p:cNvPr id="6" name="Rectangle 5">
+            <a:extLst>
+              <a:ext uri="{FF2B5EF4-FFF2-40B4-BE49-F238E27FC236}">
+                <a16:creationId xmlns:a16="http://schemas.microsoft.com/office/drawing/2014/main" id="{A060F4C3-72B4-4547-ADEF-938EFAEE4913}"/>
+              </a:ext>
+            </a:extLst>
+          </p:cNvPr>
+          <p:cNvSpPr/>
+          <p:nvPr/>
+        </p:nvSpPr>
+        <p:spPr>
+          <a:xfrm>
+            <a:off x="7351776" y="4788692"/>
+            <a:ext cx="365760" cy="365760"/>
+          </a:xfrm>
+          <a:prstGeom prst="rect">
+            <a:avLst/>
+          </a:prstGeom>
+          <a:solidFill>
+            <a:schemeClr val="tx1"/>
+          </a:solidFill>
+          <a:ln>
+            <a:noFill/>
+          </a:ln>
+        </p:spPr>
+        <p:style>
+          <a:lnRef idx="2">
+            <a:schemeClr val="accent1">
+              <a:shade val="50000"/>
+            </a:schemeClr>
+          </a:lnRef>
+          <a:fillRef idx="1">
+            <a:schemeClr val="accent1"/>
+          </a:fillRef>
+          <a:effectRef idx="0">
+            <a:schemeClr val="accent1"/>
+          </a:effectRef>
+          <a:fontRef idx="minor">
+            <a:schemeClr val="lt1"/>
+          </a:fontRef>
+        </p:style>
+        <p:txBody>
+          <a:bodyPr rtlCol="0" anchor="ctr"/>
+          <a:lstStyle/>
+          <a:p>
+            <a:pPr algn="ctr"/>
+            <a:endParaRPr lang="en-US"/>
+          </a:p>
+        </p:txBody>
+      </p:sp>
     </p:spTree>
     <p:extLst>
       <p:ext uri="{BB962C8B-B14F-4D97-AF65-F5344CB8AC3E}">
